--- a/Croom_Barker_Dixit_Presentation.pptx
+++ b/Croom_Barker_Dixit_Presentation.pptx
@@ -135,6 +135,143 @@
 </p:presentation>
 </file>
 
+<file path=ppt/revisionInfo.xml><?xml version="1.0" encoding="utf-8"?>
+<p1510:revInfo xmlns:a="http://schemas.openxmlformats.org/drawingml/2006/main" xmlns:r="http://schemas.openxmlformats.org/officeDocument/2006/relationships" xmlns:p1510="http://schemas.microsoft.com/office/powerpoint/2015/10/main">
+  <p1510:revLst>
+    <p1510:client id="{0C05E5F6-922F-4F95-A786-A4CCDF92DFB1}" v="1" dt="2019-10-19T20:17:38.134"/>
+  </p1510:revLst>
+</p1510:revInfo>
+</file>
+
+<file path=ppt/changesInfos/changesInfo1.xml><?xml version="1.0" encoding="utf-8"?>
+<pc:chgInfo xmlns:a="http://schemas.openxmlformats.org/drawingml/2006/main" xmlns:r="http://schemas.openxmlformats.org/officeDocument/2006/relationships" xmlns:ac="http://schemas.microsoft.com/office/drawing/2013/main/command" xmlns:pc="http://schemas.microsoft.com/office/powerpoint/2013/main/command">
+  <pc:docChgLst>
+    <pc:chgData name="Croom, Brandon" userId="61c071b3-5620-40e0-b15a-e0617963535f" providerId="ADAL" clId="{0C05E5F6-922F-4F95-A786-A4CCDF92DFB1}"/>
+    <pc:docChg chg="custSel modSld">
+      <pc:chgData name="Croom, Brandon" userId="61c071b3-5620-40e0-b15a-e0617963535f" providerId="ADAL" clId="{0C05E5F6-922F-4F95-A786-A4CCDF92DFB1}" dt="2019-10-19T20:19:26.137" v="1563" actId="20577"/>
+      <pc:docMkLst>
+        <pc:docMk/>
+      </pc:docMkLst>
+      <pc:sldChg chg="modSp">
+        <pc:chgData name="Croom, Brandon" userId="61c071b3-5620-40e0-b15a-e0617963535f" providerId="ADAL" clId="{0C05E5F6-922F-4F95-A786-A4CCDF92DFB1}" dt="2019-10-19T20:06:05.928" v="484" actId="20577"/>
+        <pc:sldMkLst>
+          <pc:docMk/>
+          <pc:sldMk cId="1677321490" sldId="256"/>
+        </pc:sldMkLst>
+        <pc:spChg chg="mod">
+          <ac:chgData name="Croom, Brandon" userId="61c071b3-5620-40e0-b15a-e0617963535f" providerId="ADAL" clId="{0C05E5F6-922F-4F95-A786-A4CCDF92DFB1}" dt="2019-10-19T20:06:05.928" v="484" actId="20577"/>
+          <ac:spMkLst>
+            <pc:docMk/>
+            <pc:sldMk cId="1677321490" sldId="256"/>
+            <ac:spMk id="2" creationId="{00000000-0000-0000-0000-000000000000}"/>
+          </ac:spMkLst>
+        </pc:spChg>
+        <pc:spChg chg="mod">
+          <ac:chgData name="Croom, Brandon" userId="61c071b3-5620-40e0-b15a-e0617963535f" providerId="ADAL" clId="{0C05E5F6-922F-4F95-A786-A4CCDF92DFB1}" dt="2019-10-19T20:02:11.288" v="156" actId="20577"/>
+          <ac:spMkLst>
+            <pc:docMk/>
+            <pc:sldMk cId="1677321490" sldId="256"/>
+            <ac:spMk id="3" creationId="{00000000-0000-0000-0000-000000000000}"/>
+          </ac:spMkLst>
+        </pc:spChg>
+      </pc:sldChg>
+      <pc:sldChg chg="modSp">
+        <pc:chgData name="Croom, Brandon" userId="61c071b3-5620-40e0-b15a-e0617963535f" providerId="ADAL" clId="{0C05E5F6-922F-4F95-A786-A4CCDF92DFB1}" dt="2019-10-19T20:06:24.824" v="504" actId="20577"/>
+        <pc:sldMkLst>
+          <pc:docMk/>
+          <pc:sldMk cId="724448261" sldId="257"/>
+        </pc:sldMkLst>
+        <pc:spChg chg="mod">
+          <ac:chgData name="Croom, Brandon" userId="61c071b3-5620-40e0-b15a-e0617963535f" providerId="ADAL" clId="{0C05E5F6-922F-4F95-A786-A4CCDF92DFB1}" dt="2019-10-19T20:02:22.421" v="183" actId="20577"/>
+          <ac:spMkLst>
+            <pc:docMk/>
+            <pc:sldMk cId="724448261" sldId="257"/>
+            <ac:spMk id="2" creationId="{00000000-0000-0000-0000-000000000000}"/>
+          </ac:spMkLst>
+        </pc:spChg>
+        <pc:spChg chg="mod">
+          <ac:chgData name="Croom, Brandon" userId="61c071b3-5620-40e0-b15a-e0617963535f" providerId="ADAL" clId="{0C05E5F6-922F-4F95-A786-A4CCDF92DFB1}" dt="2019-10-19T20:06:24.824" v="504" actId="20577"/>
+          <ac:spMkLst>
+            <pc:docMk/>
+            <pc:sldMk cId="724448261" sldId="257"/>
+            <ac:spMk id="3" creationId="{00000000-0000-0000-0000-000000000000}"/>
+          </ac:spMkLst>
+        </pc:spChg>
+      </pc:sldChg>
+      <pc:sldChg chg="modSp">
+        <pc:chgData name="Croom, Brandon" userId="61c071b3-5620-40e0-b15a-e0617963535f" providerId="ADAL" clId="{0C05E5F6-922F-4F95-A786-A4CCDF92DFB1}" dt="2019-10-19T20:17:06.384" v="1266" actId="20577"/>
+        <pc:sldMkLst>
+          <pc:docMk/>
+          <pc:sldMk cId="1881417302" sldId="258"/>
+        </pc:sldMkLst>
+        <pc:spChg chg="mod">
+          <ac:chgData name="Croom, Brandon" userId="61c071b3-5620-40e0-b15a-e0617963535f" providerId="ADAL" clId="{0C05E5F6-922F-4F95-A786-A4CCDF92DFB1}" dt="2019-10-19T20:08:24.380" v="794" actId="20577"/>
+          <ac:spMkLst>
+            <pc:docMk/>
+            <pc:sldMk cId="1881417302" sldId="258"/>
+            <ac:spMk id="2" creationId="{00000000-0000-0000-0000-000000000000}"/>
+          </ac:spMkLst>
+        </pc:spChg>
+        <pc:spChg chg="mod">
+          <ac:chgData name="Croom, Brandon" userId="61c071b3-5620-40e0-b15a-e0617963535f" providerId="ADAL" clId="{0C05E5F6-922F-4F95-A786-A4CCDF92DFB1}" dt="2019-10-19T20:17:06.384" v="1266" actId="20577"/>
+          <ac:spMkLst>
+            <pc:docMk/>
+            <pc:sldMk cId="1881417302" sldId="258"/>
+            <ac:spMk id="3" creationId="{00000000-0000-0000-0000-000000000000}"/>
+          </ac:spMkLst>
+        </pc:spChg>
+      </pc:sldChg>
+      <pc:sldChg chg="modSp modNotesTx">
+        <pc:chgData name="Croom, Brandon" userId="61c071b3-5620-40e0-b15a-e0617963535f" providerId="ADAL" clId="{0C05E5F6-922F-4F95-A786-A4CCDF92DFB1}" dt="2019-10-19T20:19:26.137" v="1563" actId="20577"/>
+        <pc:sldMkLst>
+          <pc:docMk/>
+          <pc:sldMk cId="273623629" sldId="267"/>
+        </pc:sldMkLst>
+        <pc:spChg chg="mod">
+          <ac:chgData name="Croom, Brandon" userId="61c071b3-5620-40e0-b15a-e0617963535f" providerId="ADAL" clId="{0C05E5F6-922F-4F95-A786-A4CCDF92DFB1}" dt="2019-10-19T20:08:44.279" v="843" actId="20577"/>
+          <ac:spMkLst>
+            <pc:docMk/>
+            <pc:sldMk cId="273623629" sldId="267"/>
+            <ac:spMk id="2" creationId="{00000000-0000-0000-0000-000000000000}"/>
+          </ac:spMkLst>
+        </pc:spChg>
+        <pc:spChg chg="mod">
+          <ac:chgData name="Croom, Brandon" userId="61c071b3-5620-40e0-b15a-e0617963535f" providerId="ADAL" clId="{0C05E5F6-922F-4F95-A786-A4CCDF92DFB1}" dt="2019-10-19T20:17:53.502" v="1279" actId="20577"/>
+          <ac:spMkLst>
+            <pc:docMk/>
+            <pc:sldMk cId="273623629" sldId="267"/>
+            <ac:spMk id="3" creationId="{00000000-0000-0000-0000-000000000000}"/>
+          </ac:spMkLst>
+        </pc:spChg>
+      </pc:sldChg>
+      <pc:sldChg chg="modSp">
+        <pc:chgData name="Croom, Brandon" userId="61c071b3-5620-40e0-b15a-e0617963535f" providerId="ADAL" clId="{0C05E5F6-922F-4F95-A786-A4CCDF92DFB1}" dt="2019-10-19T20:14:56.976" v="1240" actId="20577"/>
+        <pc:sldMkLst>
+          <pc:docMk/>
+          <pc:sldMk cId="1029844376" sldId="268"/>
+        </pc:sldMkLst>
+        <pc:spChg chg="mod">
+          <ac:chgData name="Croom, Brandon" userId="61c071b3-5620-40e0-b15a-e0617963535f" providerId="ADAL" clId="{0C05E5F6-922F-4F95-A786-A4CCDF92DFB1}" dt="2019-10-19T20:10:41.281" v="955" actId="20577"/>
+          <ac:spMkLst>
+            <pc:docMk/>
+            <pc:sldMk cId="1029844376" sldId="268"/>
+            <ac:spMk id="2" creationId="{00000000-0000-0000-0000-000000000000}"/>
+          </ac:spMkLst>
+        </pc:spChg>
+        <pc:spChg chg="mod">
+          <ac:chgData name="Croom, Brandon" userId="61c071b3-5620-40e0-b15a-e0617963535f" providerId="ADAL" clId="{0C05E5F6-922F-4F95-A786-A4CCDF92DFB1}" dt="2019-10-19T20:14:56.976" v="1240" actId="20577"/>
+          <ac:spMkLst>
+            <pc:docMk/>
+            <pc:sldMk cId="1029844376" sldId="268"/>
+            <ac:spMk id="3" creationId="{00000000-0000-0000-0000-000000000000}"/>
+          </ac:spMkLst>
+        </pc:spChg>
+      </pc:sldChg>
+    </pc:docChg>
+  </pc:docChgLst>
+</pc:chgInfo>
+</file>
+
 <file path=ppt/notesMasters/notesMaster1.xml><?xml version="1.0" encoding="utf-8"?>
 <p:notesMaster xmlns:a="http://schemas.openxmlformats.org/drawingml/2006/main" xmlns:r="http://schemas.openxmlformats.org/officeDocument/2006/relationships" xmlns:p="http://schemas.openxmlformats.org/presentationml/2006/main">
   <p:cSld>
@@ -217,7 +354,7 @@
           <a:p>
             <a:fld id="{935336F5-A68D-9A4A-83AB-B8CD6FA5C732}" type="datetimeFigureOut">
               <a:rPr lang="en-US" smtClean="0"/>
-              <a:t>12/11/17</a:t>
+              <a:t>10/19/2019</a:t>
             </a:fld>
             <a:endParaRPr lang="en-US"/>
           </a:p>
@@ -281,38 +418,37 @@
           <a:p>
             <a:pPr lvl="0"/>
             <a:r>
-              <a:rPr lang="en-US" smtClean="0"/>
+              <a:rPr lang="en-US"/>
               <a:t>Click to edit Master text styles</a:t>
             </a:r>
           </a:p>
           <a:p>
             <a:pPr lvl="1"/>
             <a:r>
-              <a:rPr lang="en-US" smtClean="0"/>
+              <a:rPr lang="en-US"/>
               <a:t>Second level</a:t>
             </a:r>
           </a:p>
           <a:p>
             <a:pPr lvl="2"/>
             <a:r>
-              <a:rPr lang="en-US" smtClean="0"/>
+              <a:rPr lang="en-US"/>
               <a:t>Third level</a:t>
             </a:r>
           </a:p>
           <a:p>
             <a:pPr lvl="3"/>
             <a:r>
-              <a:rPr lang="en-US" smtClean="0"/>
+              <a:rPr lang="en-US"/>
               <a:t>Fourth level</a:t>
             </a:r>
           </a:p>
           <a:p>
             <a:pPr lvl="4"/>
             <a:r>
-              <a:rPr lang="en-US" smtClean="0"/>
+              <a:rPr lang="en-US"/>
               <a:t>Fifth level</a:t>
             </a:r>
-            <a:endParaRPr lang="en-US"/>
           </a:p>
         </p:txBody>
       </p:sp>
@@ -569,6 +705,194 @@
 </p:notes>
 </file>
 
+<file path=ppt/notesSlides/notesSlide2.xml><?xml version="1.0" encoding="utf-8"?>
+<p:notes xmlns:a="http://schemas.openxmlformats.org/drawingml/2006/main" xmlns:r="http://schemas.openxmlformats.org/officeDocument/2006/relationships" xmlns:p="http://schemas.openxmlformats.org/presentationml/2006/main">
+  <p:cSld>
+    <p:spTree>
+      <p:nvGrpSpPr>
+        <p:cNvPr id="1" name=""/>
+        <p:cNvGrpSpPr/>
+        <p:nvPr/>
+      </p:nvGrpSpPr>
+      <p:grpSpPr>
+        <a:xfrm>
+          <a:off x="0" y="0"/>
+          <a:ext cx="0" cy="0"/>
+          <a:chOff x="0" y="0"/>
+          <a:chExt cx="0" cy="0"/>
+        </a:xfrm>
+      </p:grpSpPr>
+      <p:sp>
+        <p:nvSpPr>
+          <p:cNvPr id="2" name="Slide Image Placeholder 1"/>
+          <p:cNvSpPr>
+            <a:spLocks noGrp="1" noRot="1" noChangeAspect="1"/>
+          </p:cNvSpPr>
+          <p:nvPr>
+            <p:ph type="sldImg"/>
+          </p:nvPr>
+        </p:nvSpPr>
+        <p:spPr/>
+      </p:sp>
+      <p:sp>
+        <p:nvSpPr>
+          <p:cNvPr id="3" name="Notes Placeholder 2"/>
+          <p:cNvSpPr>
+            <a:spLocks noGrp="1"/>
+          </p:cNvSpPr>
+          <p:nvPr>
+            <p:ph type="body" idx="1"/>
+          </p:nvPr>
+        </p:nvSpPr>
+        <p:spPr/>
+        <p:txBody>
+          <a:bodyPr/>
+          <a:lstStyle/>
+          <a:p>
+            <a:endParaRPr lang="en-US" dirty="0"/>
+          </a:p>
+        </p:txBody>
+      </p:sp>
+      <p:sp>
+        <p:nvSpPr>
+          <p:cNvPr id="4" name="Slide Number Placeholder 3"/>
+          <p:cNvSpPr>
+            <a:spLocks noGrp="1"/>
+          </p:cNvSpPr>
+          <p:nvPr>
+            <p:ph type="sldNum" sz="quarter" idx="5"/>
+          </p:nvPr>
+        </p:nvSpPr>
+        <p:spPr/>
+        <p:txBody>
+          <a:bodyPr/>
+          <a:lstStyle/>
+          <a:p>
+            <a:fld id="{BAA9633A-392A-4347-9D1C-FF5FFE9476B1}" type="slidenum">
+              <a:rPr lang="en-US" smtClean="0"/>
+              <a:t>3</a:t>
+            </a:fld>
+            <a:endParaRPr lang="en-US"/>
+          </a:p>
+        </p:txBody>
+      </p:sp>
+    </p:spTree>
+    <p:extLst>
+      <p:ext uri="{BB962C8B-B14F-4D97-AF65-F5344CB8AC3E}">
+        <p14:creationId xmlns:p14="http://schemas.microsoft.com/office/powerpoint/2010/main" val="1035529632"/>
+      </p:ext>
+    </p:extLst>
+  </p:cSld>
+  <p:clrMapOvr>
+    <a:masterClrMapping/>
+  </p:clrMapOvr>
+</p:notes>
+</file>
+
+<file path=ppt/notesSlides/notesSlide3.xml><?xml version="1.0" encoding="utf-8"?>
+<p:notes xmlns:a="http://schemas.openxmlformats.org/drawingml/2006/main" xmlns:r="http://schemas.openxmlformats.org/officeDocument/2006/relationships" xmlns:p="http://schemas.openxmlformats.org/presentationml/2006/main">
+  <p:cSld>
+    <p:spTree>
+      <p:nvGrpSpPr>
+        <p:cNvPr id="1" name=""/>
+        <p:cNvGrpSpPr/>
+        <p:nvPr/>
+      </p:nvGrpSpPr>
+      <p:grpSpPr>
+        <a:xfrm>
+          <a:off x="0" y="0"/>
+          <a:ext cx="0" cy="0"/>
+          <a:chOff x="0" y="0"/>
+          <a:chExt cx="0" cy="0"/>
+        </a:xfrm>
+      </p:grpSpPr>
+      <p:sp>
+        <p:nvSpPr>
+          <p:cNvPr id="2" name="Slide Image Placeholder 1"/>
+          <p:cNvSpPr>
+            <a:spLocks noGrp="1" noRot="1" noChangeAspect="1"/>
+          </p:cNvSpPr>
+          <p:nvPr>
+            <p:ph type="sldImg"/>
+          </p:nvPr>
+        </p:nvSpPr>
+        <p:spPr/>
+      </p:sp>
+      <p:sp>
+        <p:nvSpPr>
+          <p:cNvPr id="3" name="Notes Placeholder 2"/>
+          <p:cNvSpPr>
+            <a:spLocks noGrp="1"/>
+          </p:cNvSpPr>
+          <p:nvPr>
+            <p:ph type="body" idx="1"/>
+          </p:nvPr>
+        </p:nvSpPr>
+        <p:spPr/>
+        <p:txBody>
+          <a:bodyPr/>
+          <a:lstStyle/>
+          <a:p>
+            <a:r>
+              <a:rPr lang="en-US" dirty="0"/>
+              <a:t>Scalability – can easily add new nodes </a:t>
+            </a:r>
+          </a:p>
+          <a:p>
+            <a:r>
+              <a:rPr lang="en-US" dirty="0"/>
+              <a:t>I/O load balancing – data is spread across nodes </a:t>
+            </a:r>
+          </a:p>
+          <a:p>
+            <a:r>
+              <a:rPr lang="en-US" dirty="0"/>
+              <a:t>Optimizer benefits – data spreading allows for quicker results from </a:t>
+            </a:r>
+            <a:r>
+              <a:rPr lang="en-US"/>
+              <a:t>database searches</a:t>
+            </a:r>
+            <a:endParaRPr lang="en-US" dirty="0"/>
+          </a:p>
+        </p:txBody>
+      </p:sp>
+      <p:sp>
+        <p:nvSpPr>
+          <p:cNvPr id="4" name="Slide Number Placeholder 3"/>
+          <p:cNvSpPr>
+            <a:spLocks noGrp="1"/>
+          </p:cNvSpPr>
+          <p:nvPr>
+            <p:ph type="sldNum" sz="quarter" idx="5"/>
+          </p:nvPr>
+        </p:nvSpPr>
+        <p:spPr/>
+        <p:txBody>
+          <a:bodyPr/>
+          <a:lstStyle/>
+          <a:p>
+            <a:fld id="{BAA9633A-392A-4347-9D1C-FF5FFE9476B1}" type="slidenum">
+              <a:rPr lang="en-US" smtClean="0"/>
+              <a:t>4</a:t>
+            </a:fld>
+            <a:endParaRPr lang="en-US"/>
+          </a:p>
+        </p:txBody>
+      </p:sp>
+    </p:spTree>
+    <p:extLst>
+      <p:ext uri="{BB962C8B-B14F-4D97-AF65-F5344CB8AC3E}">
+        <p14:creationId xmlns:p14="http://schemas.microsoft.com/office/powerpoint/2010/main" val="398267814"/>
+      </p:ext>
+    </p:extLst>
+  </p:cSld>
+  <p:clrMapOvr>
+    <a:masterClrMapping/>
+  </p:clrMapOvr>
+</p:notes>
+</file>
+
 <file path=ppt/slideLayouts/slideLayout1.xml><?xml version="1.0" encoding="utf-8"?>
 <p:sldLayout xmlns:a="http://schemas.openxmlformats.org/drawingml/2006/main" xmlns:r="http://schemas.openxmlformats.org/officeDocument/2006/relationships" xmlns:p="http://schemas.openxmlformats.org/presentationml/2006/main" type="title" preserve="1">
   <p:cSld name="Title Slide">
@@ -611,7 +935,7 @@
           </a:lstStyle>
           <a:p>
             <a:r>
-              <a:rPr lang="en-US" smtClean="0"/>
+              <a:rPr lang="en-US"/>
               <a:t>Click to edit Master title style</a:t>
             </a:r>
             <a:endParaRPr lang="en-US" dirty="0"/>
@@ -676,7 +1000,7 @@
           </a:lstStyle>
           <a:p>
             <a:r>
-              <a:rPr lang="en-US" smtClean="0"/>
+              <a:rPr lang="en-US"/>
               <a:t>Click to edit Master subtitle style</a:t>
             </a:r>
             <a:endParaRPr lang="en-US" dirty="0"/>
@@ -783,7 +1107,7 @@
           <a:lstStyle/>
           <a:p>
             <a:r>
-              <a:rPr lang="en-US" smtClean="0"/>
+              <a:rPr lang="en-US"/>
               <a:t>Click to edit Master title style</a:t>
             </a:r>
             <a:endParaRPr lang="en-US" dirty="0"/>
@@ -807,35 +1131,35 @@
           <a:p>
             <a:pPr lvl="0"/>
             <a:r>
-              <a:rPr lang="en-US" smtClean="0"/>
+              <a:rPr lang="en-US"/>
               <a:t>Click to edit Master text styles</a:t>
             </a:r>
           </a:p>
           <a:p>
             <a:pPr lvl="1"/>
             <a:r>
-              <a:rPr lang="en-US" smtClean="0"/>
+              <a:rPr lang="en-US"/>
               <a:t>Second level</a:t>
             </a:r>
           </a:p>
           <a:p>
             <a:pPr lvl="2"/>
             <a:r>
-              <a:rPr lang="en-US" smtClean="0"/>
+              <a:rPr lang="en-US"/>
               <a:t>Third level</a:t>
             </a:r>
           </a:p>
           <a:p>
             <a:pPr lvl="3"/>
             <a:r>
-              <a:rPr lang="en-US" smtClean="0"/>
+              <a:rPr lang="en-US"/>
               <a:t>Fourth level</a:t>
             </a:r>
           </a:p>
           <a:p>
             <a:pPr lvl="4"/>
             <a:r>
-              <a:rPr lang="en-US" smtClean="0"/>
+              <a:rPr lang="en-US"/>
               <a:t>Fifth level</a:t>
             </a:r>
             <a:endParaRPr lang="en-US" dirty="0"/>
@@ -867,7 +1191,7 @@
           <a:p>
             <a:fld id="{D8AC05B1-2526-7C44-8A74-66C916069F4A}" type="datetime1">
               <a:rPr lang="en-US" smtClean="0"/>
-              <a:t>12/11/17</a:t>
+              <a:t>10/19/2019</a:t>
             </a:fld>
             <a:endParaRPr lang="en-US"/>
           </a:p>
@@ -969,7 +1293,7 @@
           <a:lstStyle/>
           <a:p>
             <a:r>
-              <a:rPr lang="en-US" smtClean="0"/>
+              <a:rPr lang="en-US"/>
               <a:t>Click to edit Master title style</a:t>
             </a:r>
             <a:endParaRPr lang="en-US" dirty="0"/>
@@ -998,35 +1322,35 @@
           <a:p>
             <a:pPr lvl="0"/>
             <a:r>
-              <a:rPr lang="en-US" smtClean="0"/>
+              <a:rPr lang="en-US"/>
               <a:t>Click to edit Master text styles</a:t>
             </a:r>
           </a:p>
           <a:p>
             <a:pPr lvl="1"/>
             <a:r>
-              <a:rPr lang="en-US" smtClean="0"/>
+              <a:rPr lang="en-US"/>
               <a:t>Second level</a:t>
             </a:r>
           </a:p>
           <a:p>
             <a:pPr lvl="2"/>
             <a:r>
-              <a:rPr lang="en-US" smtClean="0"/>
+              <a:rPr lang="en-US"/>
               <a:t>Third level</a:t>
             </a:r>
           </a:p>
           <a:p>
             <a:pPr lvl="3"/>
             <a:r>
-              <a:rPr lang="en-US" smtClean="0"/>
+              <a:rPr lang="en-US"/>
               <a:t>Fourth level</a:t>
             </a:r>
           </a:p>
           <a:p>
             <a:pPr lvl="4"/>
             <a:r>
-              <a:rPr lang="en-US" smtClean="0"/>
+              <a:rPr lang="en-US"/>
               <a:t>Fifth level</a:t>
             </a:r>
             <a:endParaRPr lang="en-US" dirty="0"/>
@@ -1058,7 +1382,7 @@
           <a:p>
             <a:fld id="{C0E5C021-D243-504D-84B8-D45D829E8B6B}" type="datetime1">
               <a:rPr lang="en-US" smtClean="0"/>
-              <a:t>12/11/17</a:t>
+              <a:t>10/19/2019</a:t>
             </a:fld>
             <a:endParaRPr lang="en-US"/>
           </a:p>
@@ -1155,7 +1479,7 @@
           <a:lstStyle/>
           <a:p>
             <a:r>
-              <a:rPr lang="en-US" smtClean="0"/>
+              <a:rPr lang="en-US"/>
               <a:t>Click to edit Master title style</a:t>
             </a:r>
             <a:endParaRPr lang="en-US" dirty="0"/>
@@ -1179,35 +1503,35 @@
           <a:p>
             <a:pPr lvl="0"/>
             <a:r>
-              <a:rPr lang="en-US" smtClean="0"/>
+              <a:rPr lang="en-US"/>
               <a:t>Click to edit Master text styles</a:t>
             </a:r>
           </a:p>
           <a:p>
             <a:pPr lvl="1"/>
             <a:r>
-              <a:rPr lang="en-US" smtClean="0"/>
+              <a:rPr lang="en-US"/>
               <a:t>Second level</a:t>
             </a:r>
           </a:p>
           <a:p>
             <a:pPr lvl="2"/>
             <a:r>
-              <a:rPr lang="en-US" smtClean="0"/>
+              <a:rPr lang="en-US"/>
               <a:t>Third level</a:t>
             </a:r>
           </a:p>
           <a:p>
             <a:pPr lvl="3"/>
             <a:r>
-              <a:rPr lang="en-US" smtClean="0"/>
+              <a:rPr lang="en-US"/>
               <a:t>Fourth level</a:t>
             </a:r>
           </a:p>
           <a:p>
             <a:pPr lvl="4"/>
             <a:r>
-              <a:rPr lang="en-US" smtClean="0"/>
+              <a:rPr lang="en-US"/>
               <a:t>Fifth level</a:t>
             </a:r>
             <a:endParaRPr lang="en-US" dirty="0"/>
@@ -1239,7 +1563,7 @@
           <a:p>
             <a:fld id="{B6F93F85-28A1-8344-9763-EF19E19F9128}" type="datetime1">
               <a:rPr lang="en-US" smtClean="0"/>
-              <a:t>12/11/17</a:t>
+              <a:t>10/19/2019</a:t>
             </a:fld>
             <a:endParaRPr lang="en-US"/>
           </a:p>
@@ -1354,7 +1678,7 @@
           </a:lstStyle>
           <a:p>
             <a:r>
-              <a:rPr lang="en-US" smtClean="0"/>
+              <a:rPr lang="en-US"/>
               <a:t>Click to edit Master title style</a:t>
             </a:r>
             <a:endParaRPr lang="en-US" dirty="0"/>
@@ -1472,7 +1796,7 @@
           <a:p>
             <a:pPr lvl="0"/>
             <a:r>
-              <a:rPr lang="en-US" smtClean="0"/>
+              <a:rPr lang="en-US"/>
               <a:t>Click to edit Master text styles</a:t>
             </a:r>
           </a:p>
@@ -1503,7 +1827,7 @@
           <a:p>
             <a:fld id="{A2B5E9FB-9AD4-754B-A772-6D3733DD5BAC}" type="datetime1">
               <a:rPr lang="en-US" smtClean="0"/>
-              <a:t>12/11/17</a:t>
+              <a:t>10/19/2019</a:t>
             </a:fld>
             <a:endParaRPr lang="en-US"/>
           </a:p>
@@ -1600,7 +1924,7 @@
           <a:lstStyle/>
           <a:p>
             <a:r>
-              <a:rPr lang="en-US" smtClean="0"/>
+              <a:rPr lang="en-US"/>
               <a:t>Click to edit Master title style</a:t>
             </a:r>
             <a:endParaRPr lang="en-US" dirty="0"/>
@@ -1629,35 +1953,35 @@
           <a:p>
             <a:pPr lvl="0"/>
             <a:r>
-              <a:rPr lang="en-US" smtClean="0"/>
+              <a:rPr lang="en-US"/>
               <a:t>Click to edit Master text styles</a:t>
             </a:r>
           </a:p>
           <a:p>
             <a:pPr lvl="1"/>
             <a:r>
-              <a:rPr lang="en-US" smtClean="0"/>
+              <a:rPr lang="en-US"/>
               <a:t>Second level</a:t>
             </a:r>
           </a:p>
           <a:p>
             <a:pPr lvl="2"/>
             <a:r>
-              <a:rPr lang="en-US" smtClean="0"/>
+              <a:rPr lang="en-US"/>
               <a:t>Third level</a:t>
             </a:r>
           </a:p>
           <a:p>
             <a:pPr lvl="3"/>
             <a:r>
-              <a:rPr lang="en-US" smtClean="0"/>
+              <a:rPr lang="en-US"/>
               <a:t>Fourth level</a:t>
             </a:r>
           </a:p>
           <a:p>
             <a:pPr lvl="4"/>
             <a:r>
-              <a:rPr lang="en-US" smtClean="0"/>
+              <a:rPr lang="en-US"/>
               <a:t>Fifth level</a:t>
             </a:r>
             <a:endParaRPr lang="en-US" dirty="0"/>
@@ -1686,35 +2010,35 @@
           <a:p>
             <a:pPr lvl="0"/>
             <a:r>
-              <a:rPr lang="en-US" smtClean="0"/>
+              <a:rPr lang="en-US"/>
               <a:t>Click to edit Master text styles</a:t>
             </a:r>
           </a:p>
           <a:p>
             <a:pPr lvl="1"/>
             <a:r>
-              <a:rPr lang="en-US" smtClean="0"/>
+              <a:rPr lang="en-US"/>
               <a:t>Second level</a:t>
             </a:r>
           </a:p>
           <a:p>
             <a:pPr lvl="2"/>
             <a:r>
-              <a:rPr lang="en-US" smtClean="0"/>
+              <a:rPr lang="en-US"/>
               <a:t>Third level</a:t>
             </a:r>
           </a:p>
           <a:p>
             <a:pPr lvl="3"/>
             <a:r>
-              <a:rPr lang="en-US" smtClean="0"/>
+              <a:rPr lang="en-US"/>
               <a:t>Fourth level</a:t>
             </a:r>
           </a:p>
           <a:p>
             <a:pPr lvl="4"/>
             <a:r>
-              <a:rPr lang="en-US" smtClean="0"/>
+              <a:rPr lang="en-US"/>
               <a:t>Fifth level</a:t>
             </a:r>
             <a:endParaRPr lang="en-US" dirty="0"/>
@@ -1746,7 +2070,7 @@
           <a:p>
             <a:fld id="{3140DF9E-9222-EE48-A64D-28DE5FAE4784}" type="datetime1">
               <a:rPr lang="en-US" smtClean="0"/>
-              <a:t>12/11/17</a:t>
+              <a:t>10/19/2019</a:t>
             </a:fld>
             <a:endParaRPr lang="en-US"/>
           </a:p>
@@ -1848,7 +2172,7 @@
           <a:lstStyle/>
           <a:p>
             <a:r>
-              <a:rPr lang="en-US" smtClean="0"/>
+              <a:rPr lang="en-US"/>
               <a:t>Click to edit Master title style</a:t>
             </a:r>
             <a:endParaRPr lang="en-US" dirty="0"/>
@@ -1914,7 +2238,7 @@
           <a:p>
             <a:pPr lvl="0"/>
             <a:r>
-              <a:rPr lang="en-US" smtClean="0"/>
+              <a:rPr lang="en-US"/>
               <a:t>Click to edit Master text styles</a:t>
             </a:r>
           </a:p>
@@ -1942,35 +2266,35 @@
           <a:p>
             <a:pPr lvl="0"/>
             <a:r>
-              <a:rPr lang="en-US" smtClean="0"/>
+              <a:rPr lang="en-US"/>
               <a:t>Click to edit Master text styles</a:t>
             </a:r>
           </a:p>
           <a:p>
             <a:pPr lvl="1"/>
             <a:r>
-              <a:rPr lang="en-US" smtClean="0"/>
+              <a:rPr lang="en-US"/>
               <a:t>Second level</a:t>
             </a:r>
           </a:p>
           <a:p>
             <a:pPr lvl="2"/>
             <a:r>
-              <a:rPr lang="en-US" smtClean="0"/>
+              <a:rPr lang="en-US"/>
               <a:t>Third level</a:t>
             </a:r>
           </a:p>
           <a:p>
             <a:pPr lvl="3"/>
             <a:r>
-              <a:rPr lang="en-US" smtClean="0"/>
+              <a:rPr lang="en-US"/>
               <a:t>Fourth level</a:t>
             </a:r>
           </a:p>
           <a:p>
             <a:pPr lvl="4"/>
             <a:r>
-              <a:rPr lang="en-US" smtClean="0"/>
+              <a:rPr lang="en-US"/>
               <a:t>Fifth level</a:t>
             </a:r>
             <a:endParaRPr lang="en-US" dirty="0"/>
@@ -2036,7 +2360,7 @@
           <a:p>
             <a:pPr lvl="0"/>
             <a:r>
-              <a:rPr lang="en-US" smtClean="0"/>
+              <a:rPr lang="en-US"/>
               <a:t>Click to edit Master text styles</a:t>
             </a:r>
           </a:p>
@@ -2064,35 +2388,35 @@
           <a:p>
             <a:pPr lvl="0"/>
             <a:r>
-              <a:rPr lang="en-US" smtClean="0"/>
+              <a:rPr lang="en-US"/>
               <a:t>Click to edit Master text styles</a:t>
             </a:r>
           </a:p>
           <a:p>
             <a:pPr lvl="1"/>
             <a:r>
-              <a:rPr lang="en-US" smtClean="0"/>
+              <a:rPr lang="en-US"/>
               <a:t>Second level</a:t>
             </a:r>
           </a:p>
           <a:p>
             <a:pPr lvl="2"/>
             <a:r>
-              <a:rPr lang="en-US" smtClean="0"/>
+              <a:rPr lang="en-US"/>
               <a:t>Third level</a:t>
             </a:r>
           </a:p>
           <a:p>
             <a:pPr lvl="3"/>
             <a:r>
-              <a:rPr lang="en-US" smtClean="0"/>
+              <a:rPr lang="en-US"/>
               <a:t>Fourth level</a:t>
             </a:r>
           </a:p>
           <a:p>
             <a:pPr lvl="4"/>
             <a:r>
-              <a:rPr lang="en-US" smtClean="0"/>
+              <a:rPr lang="en-US"/>
               <a:t>Fifth level</a:t>
             </a:r>
             <a:endParaRPr lang="en-US" dirty="0"/>
@@ -2124,7 +2448,7 @@
           <a:p>
             <a:fld id="{A61490FA-57A5-0041-9FDC-ACD83A9AA0E7}" type="datetime1">
               <a:rPr lang="en-US" smtClean="0"/>
-              <a:t>12/11/17</a:t>
+              <a:t>10/19/2019</a:t>
             </a:fld>
             <a:endParaRPr lang="en-US"/>
           </a:p>
@@ -2221,7 +2545,7 @@
           <a:lstStyle/>
           <a:p>
             <a:r>
-              <a:rPr lang="en-US" smtClean="0"/>
+              <a:rPr lang="en-US"/>
               <a:t>Click to edit Master title style</a:t>
             </a:r>
             <a:endParaRPr lang="en-US" dirty="0"/>
@@ -2253,7 +2577,7 @@
           <a:p>
             <a:fld id="{7E8290BC-2F66-E549-BF33-0BE20A5801B5}" type="datetime1">
               <a:rPr lang="en-US" smtClean="0"/>
-              <a:t>12/11/17</a:t>
+              <a:t>10/19/2019</a:t>
             </a:fld>
             <a:endParaRPr lang="en-US"/>
           </a:p>
@@ -2359,7 +2683,7 @@
           <a:p>
             <a:fld id="{3BC728CC-7587-8545-9431-C9A8BB34EC62}" type="datetime1">
               <a:rPr lang="en-US" smtClean="0"/>
-              <a:t>12/11/17</a:t>
+              <a:t>10/19/2019</a:t>
             </a:fld>
             <a:endParaRPr lang="en-US"/>
           </a:p>
@@ -2465,7 +2789,7 @@
           </a:lstStyle>
           <a:p>
             <a:r>
-              <a:rPr lang="en-US" smtClean="0"/>
+              <a:rPr lang="en-US"/>
               <a:t>Click to edit Master title style</a:t>
             </a:r>
             <a:endParaRPr lang="en-US" dirty="0"/>
@@ -2522,35 +2846,35 @@
           <a:p>
             <a:pPr lvl="0"/>
             <a:r>
-              <a:rPr lang="en-US" smtClean="0"/>
+              <a:rPr lang="en-US"/>
               <a:t>Click to edit Master text styles</a:t>
             </a:r>
           </a:p>
           <a:p>
             <a:pPr lvl="1"/>
             <a:r>
-              <a:rPr lang="en-US" smtClean="0"/>
+              <a:rPr lang="en-US"/>
               <a:t>Second level</a:t>
             </a:r>
           </a:p>
           <a:p>
             <a:pPr lvl="2"/>
             <a:r>
-              <a:rPr lang="en-US" smtClean="0"/>
+              <a:rPr lang="en-US"/>
               <a:t>Third level</a:t>
             </a:r>
           </a:p>
           <a:p>
             <a:pPr lvl="3"/>
             <a:r>
-              <a:rPr lang="en-US" smtClean="0"/>
+              <a:rPr lang="en-US"/>
               <a:t>Fourth level</a:t>
             </a:r>
           </a:p>
           <a:p>
             <a:pPr lvl="4"/>
             <a:r>
-              <a:rPr lang="en-US" smtClean="0"/>
+              <a:rPr lang="en-US"/>
               <a:t>Fifth level</a:t>
             </a:r>
             <a:endParaRPr lang="en-US" dirty="0"/>
@@ -2616,7 +2940,7 @@
           <a:p>
             <a:pPr lvl="0"/>
             <a:r>
-              <a:rPr lang="en-US" smtClean="0"/>
+              <a:rPr lang="en-US"/>
               <a:t>Click to edit Master text styles</a:t>
             </a:r>
           </a:p>
@@ -2647,7 +2971,7 @@
           <a:p>
             <a:fld id="{9A66CD15-5422-0542-9CE8-BC312846333A}" type="datetime1">
               <a:rPr lang="en-US" smtClean="0"/>
-              <a:t>12/11/17</a:t>
+              <a:t>10/19/2019</a:t>
             </a:fld>
             <a:endParaRPr lang="en-US"/>
           </a:p>
@@ -2753,7 +3077,7 @@
           </a:lstStyle>
           <a:p>
             <a:r>
-              <a:rPr lang="en-US" smtClean="0"/>
+              <a:rPr lang="en-US"/>
               <a:t>Click to edit Master title style</a:t>
             </a:r>
             <a:endParaRPr lang="en-US" dirty="0"/>
@@ -2818,7 +3142,7 @@
           </a:lstStyle>
           <a:p>
             <a:r>
-              <a:rPr lang="en-US" smtClean="0"/>
+              <a:rPr lang="en-US"/>
               <a:t>Drag picture to placeholder or click icon to add</a:t>
             </a:r>
             <a:endParaRPr lang="en-US" dirty="0"/>
@@ -2884,7 +3208,7 @@
           <a:p>
             <a:pPr lvl="0"/>
             <a:r>
-              <a:rPr lang="en-US" smtClean="0"/>
+              <a:rPr lang="en-US"/>
               <a:t>Click to edit Master text styles</a:t>
             </a:r>
           </a:p>
@@ -2915,7 +3239,7 @@
           <a:p>
             <a:fld id="{2A2384D1-AE54-4D4A-B83F-6EAD03BEB987}" type="datetime1">
               <a:rPr lang="en-US" smtClean="0"/>
-              <a:t>12/11/17</a:t>
+              <a:t>10/19/2019</a:t>
             </a:fld>
             <a:endParaRPr lang="en-US"/>
           </a:p>
@@ -3027,7 +3351,7 @@
           <a:lstStyle/>
           <a:p>
             <a:r>
-              <a:rPr lang="en-US" smtClean="0"/>
+              <a:rPr lang="en-US"/>
               <a:t>Click to edit Master title style</a:t>
             </a:r>
             <a:endParaRPr lang="en-US" dirty="0"/>
@@ -3061,38 +3385,37 @@
           <a:p>
             <a:pPr lvl="0"/>
             <a:r>
-              <a:rPr lang="en-US" dirty="0" smtClean="0"/>
+              <a:rPr lang="en-US" dirty="0"/>
               <a:t>Click to edit Master text styles</a:t>
             </a:r>
           </a:p>
           <a:p>
             <a:pPr lvl="1"/>
             <a:r>
-              <a:rPr lang="en-US" dirty="0" smtClean="0"/>
+              <a:rPr lang="en-US" dirty="0"/>
               <a:t>Second level</a:t>
             </a:r>
           </a:p>
           <a:p>
             <a:pPr lvl="2"/>
             <a:r>
-              <a:rPr lang="en-US" dirty="0" smtClean="0"/>
+              <a:rPr lang="en-US" dirty="0"/>
               <a:t>Third level</a:t>
             </a:r>
           </a:p>
           <a:p>
             <a:pPr lvl="3"/>
             <a:r>
-              <a:rPr lang="en-US" dirty="0" smtClean="0"/>
+              <a:rPr lang="en-US" dirty="0"/>
               <a:t>Fourth level</a:t>
             </a:r>
           </a:p>
           <a:p>
             <a:pPr lvl="4"/>
             <a:r>
-              <a:rPr lang="en-US" dirty="0" smtClean="0"/>
+              <a:rPr lang="en-US" dirty="0"/>
               <a:t>Fifth level</a:t>
             </a:r>
-            <a:endParaRPr lang="en-US" dirty="0"/>
           </a:p>
         </p:txBody>
       </p:sp>
@@ -3333,7 +3656,7 @@
               <a:defRPr/>
             </a:pPr>
             <a:r>
-              <a:rPr lang="en-US" sz="1600" b="1" kern="0" dirty="0" err="1" smtClean="0">
+              <a:rPr lang="en-US" sz="1600" b="1" kern="0" dirty="0" err="1">
                 <a:solidFill>
                   <a:srgbClr val="0257A1"/>
                 </a:solidFill>
@@ -3341,7 +3664,7 @@
               <a:t>DataScience</a:t>
             </a:r>
             <a:r>
-              <a:rPr lang="en-US" sz="1600" b="1" kern="0" dirty="0" err="1" smtClean="0">
+              <a:rPr lang="en-US" sz="1600" b="1" kern="0" dirty="0" err="1">
                 <a:solidFill>
                   <a:srgbClr val="C00000"/>
                 </a:solidFill>
@@ -3349,7 +3672,7 @@
               <a:t>@</a:t>
             </a:r>
             <a:r>
-              <a:rPr lang="en-US" sz="1600" b="1" kern="0" dirty="0" err="1" smtClean="0">
+              <a:rPr lang="en-US" sz="1600" b="1" kern="0" dirty="0" err="1">
                 <a:solidFill>
                   <a:srgbClr val="0257A1"/>
                 </a:solidFill>
@@ -3736,10 +4059,9 @@
           <a:lstStyle/>
           <a:p>
             <a:r>
-              <a:rPr lang="en-US" dirty="0" smtClean="0"/>
-              <a:t>Presentation Title: Presentation template v0.1</a:t>
-            </a:r>
-            <a:endParaRPr lang="en-US" dirty="0"/>
+              <a:rPr lang="en-US" dirty="0"/>
+              <a:t>An Introduction to Massively Parallel Processing Databases</a:t>
+            </a:r>
           </a:p>
         </p:txBody>
       </p:sp>
@@ -3759,10 +4081,21 @@
           <a:lstStyle/>
           <a:p>
             <a:r>
-              <a:rPr lang="en-US" dirty="0" smtClean="0"/>
-              <a:t>Daniel W. Engels, PhD</a:t>
-            </a:r>
-            <a:endParaRPr lang="en-US" dirty="0"/>
+              <a:rPr lang="en-US" dirty="0"/>
+              <a:t>Jayson Barker</a:t>
+            </a:r>
+          </a:p>
+          <a:p>
+            <a:r>
+              <a:rPr lang="en-US" dirty="0"/>
+              <a:t>Brandon Croom</a:t>
+            </a:r>
+          </a:p>
+          <a:p>
+            <a:r>
+              <a:rPr lang="en-US" dirty="0"/>
+              <a:t>Neha Dixit</a:t>
+            </a:r>
           </a:p>
         </p:txBody>
       </p:sp>
@@ -3807,13 +4140,6 @@
       <p:transition/>
     </mc:Fallback>
   </mc:AlternateContent>
-  <p:timing>
-    <p:tnLst>
-      <p:par>
-        <p:cTn id="1" dur="indefinite" restart="never" nodeType="tmRoot"/>
-      </p:par>
-    </p:tnLst>
-  </p:timing>
 </p:sld>
 </file>
 
@@ -3913,13 +4239,6 @@
       <p:transition advClick="0" advTm="15000"/>
     </mc:Fallback>
   </mc:AlternateContent>
-  <p:timing>
-    <p:tnLst>
-      <p:par>
-        <p:cTn id="1" dur="indefinite" restart="never" nodeType="tmRoot"/>
-      </p:par>
-    </p:tnLst>
-  </p:timing>
 </p:sld>
 </file>
 
@@ -4019,13 +4338,6 @@
       <p:transition advClick="0" advTm="15000"/>
     </mc:Fallback>
   </mc:AlternateContent>
-  <p:timing>
-    <p:tnLst>
-      <p:par>
-        <p:cTn id="1" dur="indefinite" restart="never" nodeType="tmRoot"/>
-      </p:par>
-    </p:tnLst>
-  </p:timing>
 </p:sld>
 </file>
 
@@ -4125,13 +4437,6 @@
       <p:transition advClick="0" advTm="15000"/>
     </mc:Fallback>
   </mc:AlternateContent>
-  <p:timing>
-    <p:tnLst>
-      <p:par>
-        <p:cTn id="1" dur="indefinite" restart="never" nodeType="tmRoot"/>
-      </p:par>
-    </p:tnLst>
-  </p:timing>
 </p:sld>
 </file>
 
@@ -4231,13 +4536,6 @@
       <p:transition advClick="0" advTm="15000"/>
     </mc:Fallback>
   </mc:AlternateContent>
-  <p:timing>
-    <p:tnLst>
-      <p:par>
-        <p:cTn id="1" dur="indefinite" restart="never" nodeType="tmRoot"/>
-      </p:par>
-    </p:tnLst>
-  </p:timing>
 </p:sld>
 </file>
 
@@ -4337,13 +4635,6 @@
       <p:transition advClick="0" advTm="15000"/>
     </mc:Fallback>
   </mc:AlternateContent>
-  <p:timing>
-    <p:tnLst>
-      <p:par>
-        <p:cTn id="1" dur="indefinite" restart="never" nodeType="tmRoot"/>
-      </p:par>
-    </p:tnLst>
-  </p:timing>
 </p:sld>
 </file>
 
@@ -4443,13 +4734,6 @@
       <p:transition advClick="0" advTm="15000"/>
     </mc:Fallback>
   </mc:AlternateContent>
-  <p:timing>
-    <p:tnLst>
-      <p:par>
-        <p:cTn id="1" dur="indefinite" restart="never" nodeType="tmRoot"/>
-      </p:par>
-    </p:tnLst>
-  </p:timing>
 </p:sld>
 </file>
 
@@ -4549,13 +4833,6 @@
       <p:transition advClick="0" advTm="15000"/>
     </mc:Fallback>
   </mc:AlternateContent>
-  <p:timing>
-    <p:tnLst>
-      <p:par>
-        <p:cTn id="1" dur="indefinite" restart="never" nodeType="tmRoot"/>
-      </p:par>
-    </p:tnLst>
-  </p:timing>
 </p:sld>
 </file>
 
@@ -4655,13 +4932,6 @@
       <p:transition advClick="0" advTm="15000"/>
     </mc:Fallback>
   </mc:AlternateContent>
-  <p:timing>
-    <p:tnLst>
-      <p:par>
-        <p:cTn id="1" dur="indefinite" restart="never" nodeType="tmRoot"/>
-      </p:par>
-    </p:tnLst>
-  </p:timing>
 </p:sld>
 </file>
 
@@ -4761,13 +5031,6 @@
       <p:transition advClick="0" advTm="15000"/>
     </mc:Fallback>
   </mc:AlternateContent>
-  <p:timing>
-    <p:tnLst>
-      <p:par>
-        <p:cTn id="1" dur="indefinite" restart="never" nodeType="tmRoot"/>
-      </p:par>
-    </p:tnLst>
-  </p:timing>
 </p:sld>
 </file>
 
@@ -4867,13 +5130,6 @@
       <p:transition advClick="0" advTm="15000"/>
     </mc:Fallback>
   </mc:AlternateContent>
-  <p:timing>
-    <p:tnLst>
-      <p:par>
-        <p:cTn id="1" dur="indefinite" restart="never" nodeType="tmRoot"/>
-      </p:par>
-    </p:tnLst>
-  </p:timing>
 </p:sld>
 </file>
 
@@ -4910,8 +5166,12 @@
           <a:lstStyle/>
           <a:p>
             <a:r>
-              <a:rPr lang="en-US" dirty="0" smtClean="0"/>
-              <a:t>First Slide</a:t>
+              <a:rPr lang="en-US" dirty="0"/>
+              <a:t>Problem </a:t>
+            </a:r>
+            <a:r>
+              <a:rPr lang="en-US" dirty="0" err="1"/>
+              <a:t>Statment</a:t>
             </a:r>
             <a:endParaRPr lang="en-US" dirty="0"/>
           </a:p>
@@ -4933,22 +5193,9 @@
           <a:lstStyle/>
           <a:p>
             <a:r>
-              <a:rPr lang="en-US" dirty="0" smtClean="0"/>
-              <a:t>Transition to this slide on first mouse click</a:t>
-            </a:r>
-          </a:p>
-          <a:p>
-            <a:r>
-              <a:rPr lang="en-US" dirty="0" smtClean="0"/>
-              <a:t>From here until end of presentation all slides are on a 15 second timer</a:t>
-            </a:r>
-          </a:p>
-          <a:p>
-            <a:r>
-              <a:rPr lang="en-US" dirty="0" smtClean="0"/>
-              <a:t>At the end of 15 seconds, the next slide will automatically appear</a:t>
-            </a:r>
-            <a:endParaRPr lang="en-US" dirty="0"/>
+              <a:rPr lang="en-US" dirty="0"/>
+              <a:t>Provide an overview of Massively Parallel Processing (MPP) databases</a:t>
+            </a:r>
           </a:p>
         </p:txBody>
       </p:sp>
@@ -4993,13 +5240,6 @@
       <p:transition advClick="0" advTm="15000"/>
     </mc:Fallback>
   </mc:AlternateContent>
-  <p:timing>
-    <p:tnLst>
-      <p:par>
-        <p:cTn id="1" dur="indefinite" restart="never" nodeType="tmRoot"/>
-      </p:par>
-    </p:tnLst>
-  </p:timing>
 </p:sld>
 </file>
 
@@ -5099,13 +5339,6 @@
       <p:transition advClick="0" advTm="15000"/>
     </mc:Fallback>
   </mc:AlternateContent>
-  <p:timing>
-    <p:tnLst>
-      <p:par>
-        <p:cTn id="1" dur="indefinite" restart="never" nodeType="tmRoot"/>
-      </p:par>
-    </p:tnLst>
-  </p:timing>
 </p:sld>
 </file>
 
@@ -5142,10 +5375,9 @@
           <a:lstStyle/>
           <a:p>
             <a:r>
-              <a:rPr lang="en-US" dirty="0" smtClean="0"/>
+              <a:rPr lang="en-US" dirty="0"/>
               <a:t>Last Slide</a:t>
             </a:r>
-            <a:endParaRPr lang="en-US" dirty="0"/>
           </a:p>
         </p:txBody>
       </p:sp>
@@ -5165,10 +5397,9 @@
           <a:lstStyle/>
           <a:p>
             <a:r>
-              <a:rPr lang="en-US" dirty="0" smtClean="0"/>
+              <a:rPr lang="en-US" dirty="0"/>
               <a:t>Fade to black after 15 seconds</a:t>
             </a:r>
-            <a:endParaRPr lang="en-US" dirty="0"/>
           </a:p>
         </p:txBody>
       </p:sp>
@@ -5213,13 +5444,6 @@
       <p:transition advClick="0" advTm="15000"/>
     </mc:Fallback>
   </mc:AlternateContent>
-  <p:timing>
-    <p:tnLst>
-      <p:par>
-        <p:cTn id="1" dur="indefinite" restart="never" nodeType="tmRoot"/>
-      </p:par>
-    </p:tnLst>
-  </p:timing>
 </p:sld>
 </file>
 
@@ -5256,10 +5480,9 @@
           <a:lstStyle/>
           <a:p>
             <a:r>
-              <a:rPr lang="en-US" dirty="0" smtClean="0"/>
-              <a:t>20 slides total</a:t>
-            </a:r>
-            <a:endParaRPr lang="en-US" dirty="0"/>
+              <a:rPr lang="en-US" dirty="0"/>
+              <a:t>What is a MPP database?</a:t>
+            </a:r>
           </a:p>
         </p:txBody>
       </p:sp>
@@ -5279,8 +5502,14 @@
           <a:lstStyle/>
           <a:p>
             <a:r>
-              <a:rPr lang="en-US" dirty="0" smtClean="0"/>
-              <a:t>A total of 20 slides are allowed for content for a total presentation time of 5 minutes</a:t>
+              <a:rPr lang="en-US" dirty="0"/>
+              <a:t>A storage structure designed to handle multiple operations simultaneously by several processing units</a:t>
+            </a:r>
+          </a:p>
+          <a:p>
+            <a:r>
+              <a:rPr lang="en-US" dirty="0"/>
+              <a:t>Each processing unit (node) works independently with its dedicated resources</a:t>
             </a:r>
           </a:p>
           <a:p>
@@ -5329,13 +5558,6 @@
       <p:transition advClick="0" advTm="15000"/>
     </mc:Fallback>
   </mc:AlternateContent>
-  <p:timing>
-    <p:tnLst>
-      <p:par>
-        <p:cTn id="1" dur="indefinite" restart="never" nodeType="tmRoot"/>
-      </p:par>
-    </p:tnLst>
-  </p:timing>
 </p:sld>
 </file>
 
@@ -5372,58 +5594,60 @@
           <a:lstStyle/>
           <a:p>
             <a:r>
-              <a:rPr lang="en-US" dirty="0" smtClean="0"/>
-              <a:t>Slide Format</a:t>
-            </a:r>
+              <a:rPr lang="en-US" dirty="0"/>
+              <a:t>What are the advantages of a MPP Database</a:t>
+            </a:r>
+          </a:p>
+        </p:txBody>
+      </p:sp>
+      <p:sp>
+        <p:nvSpPr>
+          <p:cNvPr id="3" name="Content Placeholder 2"/>
+          <p:cNvSpPr>
+            <a:spLocks noGrp="1"/>
+          </p:cNvSpPr>
+          <p:nvPr>
+            <p:ph idx="1"/>
+          </p:nvPr>
+        </p:nvSpPr>
+        <p:spPr/>
+        <p:txBody>
+          <a:bodyPr/>
+          <a:lstStyle/>
+          <a:p>
+            <a:r>
+              <a:rPr lang="en-US" dirty="0"/>
+              <a:t>Scalability</a:t>
+            </a:r>
+            <a:endParaRPr lang="en-US" dirty="0">
+              <a:solidFill>
+                <a:srgbClr val="002060"/>
+              </a:solidFill>
+            </a:endParaRPr>
+          </a:p>
+          <a:p>
+            <a:pPr marL="0" indent="0">
+              <a:buNone/>
+            </a:pPr>
             <a:endParaRPr lang="en-US" dirty="0"/>
           </a:p>
-        </p:txBody>
-      </p:sp>
-      <p:sp>
-        <p:nvSpPr>
-          <p:cNvPr id="3" name="Content Placeholder 2"/>
-          <p:cNvSpPr>
-            <a:spLocks noGrp="1"/>
-          </p:cNvSpPr>
-          <p:nvPr>
-            <p:ph idx="1"/>
-          </p:nvPr>
-        </p:nvSpPr>
-        <p:spPr/>
-        <p:txBody>
-          <a:bodyPr/>
-          <a:lstStyle/>
-          <a:p>
-            <a:r>
-              <a:rPr lang="en-US" dirty="0" smtClean="0"/>
-              <a:t>This is a generic slide format:</a:t>
-            </a:r>
-          </a:p>
-          <a:p>
-            <a:pPr lvl="1"/>
-            <a:r>
-              <a:rPr lang="en-US" dirty="0" smtClean="0"/>
-              <a:t>White background</a:t>
-            </a:r>
-          </a:p>
-          <a:p>
-            <a:pPr lvl="1"/>
-            <a:r>
-              <a:rPr lang="en-US" dirty="0" err="1" smtClean="0"/>
-              <a:t>DataScience@SMU</a:t>
-            </a:r>
-            <a:r>
-              <a:rPr lang="en-US" dirty="0" smtClean="0"/>
-              <a:t> in bottom left corner</a:t>
-            </a:r>
-          </a:p>
-          <a:p>
-            <a:pPr lvl="1"/>
-            <a:r>
-              <a:rPr lang="en-US" dirty="0" smtClean="0"/>
-              <a:t>Page number in bottom right corner</a:t>
-            </a:r>
+          <a:p>
+            <a:r>
+              <a:rPr lang="en-US" dirty="0"/>
+              <a:t>I/O load balancing</a:t>
+            </a:r>
+          </a:p>
+          <a:p>
+            <a:pPr marL="0" indent="0">
+              <a:buNone/>
+            </a:pPr>
             <a:endParaRPr lang="en-US" dirty="0"/>
+          </a:p>
+          <a:p>
+            <a:r>
+              <a:rPr lang="en-US" dirty="0"/>
+              <a:t>Optimizer benefits</a:t>
+            </a:r>
           </a:p>
         </p:txBody>
       </p:sp>
@@ -5468,13 +5692,6 @@
       <p:transition advClick="0" advTm="15000"/>
     </mc:Fallback>
   </mc:AlternateContent>
-  <p:timing>
-    <p:tnLst>
-      <p:par>
-        <p:cTn id="1" dur="indefinite" restart="never" nodeType="tmRoot"/>
-      </p:par>
-    </p:tnLst>
-  </p:timing>
 </p:sld>
 </file>
 
@@ -5511,10 +5728,9 @@
           <a:lstStyle/>
           <a:p>
             <a:r>
-              <a:rPr lang="en-US" dirty="0" smtClean="0"/>
-              <a:t>Hacking the Slide Format</a:t>
-            </a:r>
-            <a:endParaRPr lang="en-US" dirty="0"/>
+              <a:rPr lang="en-US" dirty="0"/>
+              <a:t>How does MPP differ from traditional databases?</a:t>
+            </a:r>
           </a:p>
         </p:txBody>
       </p:sp>
@@ -5531,60 +5747,32 @@
         <p:spPr/>
         <p:txBody>
           <a:bodyPr>
-            <a:normAutofit lnSpcReduction="10000"/>
+            <a:normAutofit/>
           </a:bodyPr>
           <a:lstStyle/>
           <a:p>
             <a:r>
-              <a:rPr lang="en-US" dirty="0" smtClean="0"/>
-              <a:t>Hacking the slide format is allowed</a:t>
-            </a:r>
-          </a:p>
-          <a:p>
-            <a:r>
-              <a:rPr lang="en-US" dirty="0" smtClean="0"/>
-              <a:t>However, </a:t>
-            </a:r>
-          </a:p>
-          <a:p>
-            <a:pPr lvl="1"/>
-            <a:r>
               <a:rPr lang="en-US" dirty="0"/>
-              <a:t>T</a:t>
-            </a:r>
-            <a:r>
-              <a:rPr lang="en-US" dirty="0" smtClean="0"/>
-              <a:t>he total number of slides </a:t>
-            </a:r>
-          </a:p>
-          <a:p>
-            <a:pPr lvl="2"/>
-            <a:r>
-              <a:rPr lang="en-US" dirty="0" smtClean="0"/>
-              <a:t>must be 21</a:t>
-            </a:r>
-          </a:p>
-          <a:p>
-            <a:pPr lvl="1"/>
-            <a:r>
-              <a:rPr lang="en-US" dirty="0" smtClean="0"/>
-              <a:t>The slides must transition automatically every 15 seconds</a:t>
-            </a:r>
-          </a:p>
-          <a:p>
-            <a:pPr lvl="1"/>
-            <a:r>
-              <a:rPr lang="en-US" dirty="0" smtClean="0"/>
-              <a:t>The aspect must be the standard format (not 16:9)</a:t>
-            </a:r>
-          </a:p>
-          <a:p>
-            <a:pPr lvl="1"/>
-            <a:r>
-              <a:rPr lang="en-US" dirty="0" smtClean="0"/>
-              <a:t>The footer information must be present and in the same position as this template</a:t>
-            </a:r>
-            <a:endParaRPr lang="en-US" dirty="0"/>
+              <a:t>Better performing than symmetric multiprocessor (SMP) databases</a:t>
+            </a:r>
+          </a:p>
+          <a:p>
+            <a:r>
+              <a:rPr lang="en-US" dirty="0"/>
+              <a:t>Incremental resources and compute can be added to MPP systems</a:t>
+            </a:r>
+          </a:p>
+          <a:p>
+            <a:r>
+              <a:rPr lang="en-US" dirty="0"/>
+              <a:t>Can be more cost efficient than SMP for large data</a:t>
+            </a:r>
+          </a:p>
+          <a:p>
+            <a:r>
+              <a:rPr lang="en-US" dirty="0"/>
+              <a:t>Better throughput for read and write operations</a:t>
+            </a:r>
           </a:p>
         </p:txBody>
       </p:sp>
@@ -5629,13 +5817,6 @@
       <p:transition advClick="0" advTm="15000"/>
     </mc:Fallback>
   </mc:AlternateContent>
-  <p:timing>
-    <p:tnLst>
-      <p:par>
-        <p:cTn id="1" dur="indefinite" restart="never" nodeType="tmRoot"/>
-      </p:par>
-    </p:tnLst>
-  </p:timing>
 </p:sld>
 </file>
 
@@ -5735,13 +5916,6 @@
       <p:transition advClick="0" advTm="15000"/>
     </mc:Fallback>
   </mc:AlternateContent>
-  <p:timing>
-    <p:tnLst>
-      <p:par>
-        <p:cTn id="1" dur="indefinite" restart="never" nodeType="tmRoot"/>
-      </p:par>
-    </p:tnLst>
-  </p:timing>
 </p:sld>
 </file>
 
@@ -5841,13 +6015,6 @@
       <p:transition advClick="0" advTm="15000"/>
     </mc:Fallback>
   </mc:AlternateContent>
-  <p:timing>
-    <p:tnLst>
-      <p:par>
-        <p:cTn id="1" dur="indefinite" restart="never" nodeType="tmRoot"/>
-      </p:par>
-    </p:tnLst>
-  </p:timing>
 </p:sld>
 </file>
 
@@ -5947,13 +6114,6 @@
       <p:transition advClick="0" advTm="15000"/>
     </mc:Fallback>
   </mc:AlternateContent>
-  <p:timing>
-    <p:tnLst>
-      <p:par>
-        <p:cTn id="1" dur="indefinite" restart="never" nodeType="tmRoot"/>
-      </p:par>
-    </p:tnLst>
-  </p:timing>
 </p:sld>
 </file>
 
@@ -6053,13 +6213,6 @@
       <p:transition advClick="0" advTm="15000"/>
     </mc:Fallback>
   </mc:AlternateContent>
-  <p:timing>
-    <p:tnLst>
-      <p:par>
-        <p:cTn id="1" dur="indefinite" restart="never" nodeType="tmRoot"/>
-      </p:par>
-    </p:tnLst>
-  </p:timing>
 </p:sld>
 </file>
 

--- a/Croom_Barker_Dixit_Presentation.pptx
+++ b/Croom_Barker_Dixit_Presentation.pptx
@@ -138,7 +138,7 @@
 <file path=ppt/revisionInfo.xml><?xml version="1.0" encoding="utf-8"?>
 <p1510:revInfo xmlns:a="http://schemas.openxmlformats.org/drawingml/2006/main" xmlns:r="http://schemas.openxmlformats.org/officeDocument/2006/relationships" xmlns:p1510="http://schemas.microsoft.com/office/powerpoint/2015/10/main">
   <p1510:revLst>
-    <p1510:client id="{0C05E5F6-922F-4F95-A786-A4CCDF92DFB1}" v="1" dt="2019-10-19T20:17:38.134"/>
+    <p1510:client id="{0C05E5F6-922F-4F95-A786-A4CCDF92DFB1}" v="14" dt="2019-10-20T01:29:03.567"/>
   </p1510:revLst>
 </p1510:revInfo>
 </file>
@@ -147,8 +147,8 @@
 <pc:chgInfo xmlns:a="http://schemas.openxmlformats.org/drawingml/2006/main" xmlns:r="http://schemas.openxmlformats.org/officeDocument/2006/relationships" xmlns:ac="http://schemas.microsoft.com/office/drawing/2013/main/command" xmlns:pc="http://schemas.microsoft.com/office/powerpoint/2013/main/command">
   <pc:docChgLst>
     <pc:chgData name="Croom, Brandon" userId="61c071b3-5620-40e0-b15a-e0617963535f" providerId="ADAL" clId="{0C05E5F6-922F-4F95-A786-A4CCDF92DFB1}"/>
-    <pc:docChg chg="custSel modSld">
-      <pc:chgData name="Croom, Brandon" userId="61c071b3-5620-40e0-b15a-e0617963535f" providerId="ADAL" clId="{0C05E5F6-922F-4F95-A786-A4CCDF92DFB1}" dt="2019-10-19T20:19:26.137" v="1563" actId="20577"/>
+    <pc:docChg chg="undo custSel modSld">
+      <pc:chgData name="Croom, Brandon" userId="61c071b3-5620-40e0-b15a-e0617963535f" providerId="ADAL" clId="{0C05E5F6-922F-4F95-A786-A4CCDF92DFB1}" dt="2019-10-20T01:29:03.566" v="1613" actId="207"/>
       <pc:docMkLst>
         <pc:docMk/>
       </pc:docMkLst>
@@ -176,13 +176,13 @@
         </pc:spChg>
       </pc:sldChg>
       <pc:sldChg chg="modSp">
-        <pc:chgData name="Croom, Brandon" userId="61c071b3-5620-40e0-b15a-e0617963535f" providerId="ADAL" clId="{0C05E5F6-922F-4F95-A786-A4CCDF92DFB1}" dt="2019-10-19T20:06:24.824" v="504" actId="20577"/>
+        <pc:chgData name="Croom, Brandon" userId="61c071b3-5620-40e0-b15a-e0617963535f" providerId="ADAL" clId="{0C05E5F6-922F-4F95-A786-A4CCDF92DFB1}" dt="2019-10-20T01:15:17.675" v="1597" actId="20577"/>
         <pc:sldMkLst>
           <pc:docMk/>
           <pc:sldMk cId="724448261" sldId="257"/>
         </pc:sldMkLst>
         <pc:spChg chg="mod">
-          <ac:chgData name="Croom, Brandon" userId="61c071b3-5620-40e0-b15a-e0617963535f" providerId="ADAL" clId="{0C05E5F6-922F-4F95-A786-A4CCDF92DFB1}" dt="2019-10-19T20:02:22.421" v="183" actId="20577"/>
+          <ac:chgData name="Croom, Brandon" userId="61c071b3-5620-40e0-b15a-e0617963535f" providerId="ADAL" clId="{0C05E5F6-922F-4F95-A786-A4CCDF92DFB1}" dt="2019-10-20T01:14:34.717" v="1564" actId="20577"/>
           <ac:spMkLst>
             <pc:docMk/>
             <pc:sldMk cId="724448261" sldId="257"/>
@@ -190,7 +190,7 @@
           </ac:spMkLst>
         </pc:spChg>
         <pc:spChg chg="mod">
-          <ac:chgData name="Croom, Brandon" userId="61c071b3-5620-40e0-b15a-e0617963535f" providerId="ADAL" clId="{0C05E5F6-922F-4F95-A786-A4CCDF92DFB1}" dt="2019-10-19T20:06:24.824" v="504" actId="20577"/>
+          <ac:chgData name="Croom, Brandon" userId="61c071b3-5620-40e0-b15a-e0617963535f" providerId="ADAL" clId="{0C05E5F6-922F-4F95-A786-A4CCDF92DFB1}" dt="2019-10-20T01:15:17.675" v="1597" actId="20577"/>
           <ac:spMkLst>
             <pc:docMk/>
             <pc:sldMk cId="724448261" sldId="257"/>
@@ -263,6 +263,106 @@
           <ac:spMkLst>
             <pc:docMk/>
             <pc:sldMk cId="1029844376" sldId="268"/>
+            <ac:spMk id="3" creationId="{00000000-0000-0000-0000-000000000000}"/>
+          </ac:spMkLst>
+        </pc:spChg>
+      </pc:sldChg>
+      <pc:sldChg chg="addSp delSp modSp">
+        <pc:chgData name="Croom, Brandon" userId="61c071b3-5620-40e0-b15a-e0617963535f" providerId="ADAL" clId="{0C05E5F6-922F-4F95-A786-A4CCDF92DFB1}" dt="2019-10-20T01:26:37.663" v="1602" actId="14100"/>
+        <pc:sldMkLst>
+          <pc:docMk/>
+          <pc:sldMk cId="2023716259" sldId="269"/>
+        </pc:sldMkLst>
+        <pc:spChg chg="mod">
+          <ac:chgData name="Croom, Brandon" userId="61c071b3-5620-40e0-b15a-e0617963535f" providerId="ADAL" clId="{0C05E5F6-922F-4F95-A786-A4CCDF92DFB1}" dt="2019-10-20T01:26:10.121" v="1598"/>
+          <ac:spMkLst>
+            <pc:docMk/>
+            <pc:sldMk cId="2023716259" sldId="269"/>
+            <ac:spMk id="2" creationId="{00000000-0000-0000-0000-000000000000}"/>
+          </ac:spMkLst>
+        </pc:spChg>
+        <pc:spChg chg="del">
+          <ac:chgData name="Croom, Brandon" userId="61c071b3-5620-40e0-b15a-e0617963535f" providerId="ADAL" clId="{0C05E5F6-922F-4F95-A786-A4CCDF92DFB1}" dt="2019-10-20T01:26:23.056" v="1599"/>
+          <ac:spMkLst>
+            <pc:docMk/>
+            <pc:sldMk cId="2023716259" sldId="269"/>
+            <ac:spMk id="3" creationId="{00000000-0000-0000-0000-000000000000}"/>
+          </ac:spMkLst>
+        </pc:spChg>
+        <pc:picChg chg="add mod">
+          <ac:chgData name="Croom, Brandon" userId="61c071b3-5620-40e0-b15a-e0617963535f" providerId="ADAL" clId="{0C05E5F6-922F-4F95-A786-A4CCDF92DFB1}" dt="2019-10-20T01:26:37.663" v="1602" actId="14100"/>
+          <ac:picMkLst>
+            <pc:docMk/>
+            <pc:sldMk cId="2023716259" sldId="269"/>
+            <ac:picMk id="5" creationId="{72F9FB8B-211F-4534-A969-2773A500C699}"/>
+          </ac:picMkLst>
+        </pc:picChg>
+      </pc:sldChg>
+      <pc:sldChg chg="modSp">
+        <pc:chgData name="Croom, Brandon" userId="61c071b3-5620-40e0-b15a-e0617963535f" providerId="ADAL" clId="{0C05E5F6-922F-4F95-A786-A4CCDF92DFB1}" dt="2019-10-20T01:27:22.248" v="1605" actId="27636"/>
+        <pc:sldMkLst>
+          <pc:docMk/>
+          <pc:sldMk cId="753163827" sldId="270"/>
+        </pc:sldMkLst>
+        <pc:spChg chg="mod">
+          <ac:chgData name="Croom, Brandon" userId="61c071b3-5620-40e0-b15a-e0617963535f" providerId="ADAL" clId="{0C05E5F6-922F-4F95-A786-A4CCDF92DFB1}" dt="2019-10-20T01:27:09.242" v="1603"/>
+          <ac:spMkLst>
+            <pc:docMk/>
+            <pc:sldMk cId="753163827" sldId="270"/>
+            <ac:spMk id="2" creationId="{00000000-0000-0000-0000-000000000000}"/>
+          </ac:spMkLst>
+        </pc:spChg>
+        <pc:spChg chg="mod">
+          <ac:chgData name="Croom, Brandon" userId="61c071b3-5620-40e0-b15a-e0617963535f" providerId="ADAL" clId="{0C05E5F6-922F-4F95-A786-A4CCDF92DFB1}" dt="2019-10-20T01:27:22.248" v="1605" actId="27636"/>
+          <ac:spMkLst>
+            <pc:docMk/>
+            <pc:sldMk cId="753163827" sldId="270"/>
+            <ac:spMk id="3" creationId="{00000000-0000-0000-0000-000000000000}"/>
+          </ac:spMkLst>
+        </pc:spChg>
+      </pc:sldChg>
+      <pc:sldChg chg="modSp">
+        <pc:chgData name="Croom, Brandon" userId="61c071b3-5620-40e0-b15a-e0617963535f" providerId="ADAL" clId="{0C05E5F6-922F-4F95-A786-A4CCDF92DFB1}" dt="2019-10-20T01:28:05.362" v="1609" actId="207"/>
+        <pc:sldMkLst>
+          <pc:docMk/>
+          <pc:sldMk cId="1155824971" sldId="271"/>
+        </pc:sldMkLst>
+        <pc:spChg chg="mod">
+          <ac:chgData name="Croom, Brandon" userId="61c071b3-5620-40e0-b15a-e0617963535f" providerId="ADAL" clId="{0C05E5F6-922F-4F95-A786-A4CCDF92DFB1}" dt="2019-10-20T01:27:43.953" v="1606"/>
+          <ac:spMkLst>
+            <pc:docMk/>
+            <pc:sldMk cId="1155824971" sldId="271"/>
+            <ac:spMk id="2" creationId="{00000000-0000-0000-0000-000000000000}"/>
+          </ac:spMkLst>
+        </pc:spChg>
+        <pc:spChg chg="mod">
+          <ac:chgData name="Croom, Brandon" userId="61c071b3-5620-40e0-b15a-e0617963535f" providerId="ADAL" clId="{0C05E5F6-922F-4F95-A786-A4CCDF92DFB1}" dt="2019-10-20T01:28:05.362" v="1609" actId="207"/>
+          <ac:spMkLst>
+            <pc:docMk/>
+            <pc:sldMk cId="1155824971" sldId="271"/>
+            <ac:spMk id="3" creationId="{00000000-0000-0000-0000-000000000000}"/>
+          </ac:spMkLst>
+        </pc:spChg>
+      </pc:sldChg>
+      <pc:sldChg chg="modSp">
+        <pc:chgData name="Croom, Brandon" userId="61c071b3-5620-40e0-b15a-e0617963535f" providerId="ADAL" clId="{0C05E5F6-922F-4F95-A786-A4CCDF92DFB1}" dt="2019-10-20T01:29:03.566" v="1613" actId="207"/>
+        <pc:sldMkLst>
+          <pc:docMk/>
+          <pc:sldMk cId="1960700482" sldId="272"/>
+        </pc:sldMkLst>
+        <pc:spChg chg="mod">
+          <ac:chgData name="Croom, Brandon" userId="61c071b3-5620-40e0-b15a-e0617963535f" providerId="ADAL" clId="{0C05E5F6-922F-4F95-A786-A4CCDF92DFB1}" dt="2019-10-20T01:28:57.946" v="1612"/>
+          <ac:spMkLst>
+            <pc:docMk/>
+            <pc:sldMk cId="1960700482" sldId="272"/>
+            <ac:spMk id="2" creationId="{00000000-0000-0000-0000-000000000000}"/>
+          </ac:spMkLst>
+        </pc:spChg>
+        <pc:spChg chg="mod">
+          <ac:chgData name="Croom, Brandon" userId="61c071b3-5620-40e0-b15a-e0617963535f" providerId="ADAL" clId="{0C05E5F6-922F-4F95-A786-A4CCDF92DFB1}" dt="2019-10-20T01:29:03.566" v="1613" actId="207"/>
+          <ac:spMkLst>
+            <pc:docMk/>
+            <pc:sldMk cId="1960700482" sldId="272"/>
             <ac:spMk id="3" creationId="{00000000-0000-0000-0000-000000000000}"/>
           </ac:spMkLst>
         </pc:spChg>
@@ -884,6 +984,656 @@
     <p:extLst>
       <p:ext uri="{BB962C8B-B14F-4D97-AF65-F5344CB8AC3E}">
         <p14:creationId xmlns:p14="http://schemas.microsoft.com/office/powerpoint/2010/main" val="398267814"/>
+      </p:ext>
+    </p:extLst>
+  </p:cSld>
+  <p:clrMapOvr>
+    <a:masterClrMapping/>
+  </p:clrMapOvr>
+</p:notes>
+</file>
+
+<file path=ppt/notesSlides/notesSlide4.xml><?xml version="1.0" encoding="utf-8"?>
+<p:notes xmlns:a="http://schemas.openxmlformats.org/drawingml/2006/main" xmlns:r="http://schemas.openxmlformats.org/officeDocument/2006/relationships" xmlns:p="http://schemas.openxmlformats.org/presentationml/2006/main">
+  <p:cSld>
+    <p:spTree>
+      <p:nvGrpSpPr>
+        <p:cNvPr id="1" name=""/>
+        <p:cNvGrpSpPr/>
+        <p:nvPr/>
+      </p:nvGrpSpPr>
+      <p:grpSpPr>
+        <a:xfrm>
+          <a:off x="0" y="0"/>
+          <a:ext cx="0" cy="0"/>
+          <a:chOff x="0" y="0"/>
+          <a:chExt cx="0" cy="0"/>
+        </a:xfrm>
+      </p:grpSpPr>
+      <p:sp>
+        <p:nvSpPr>
+          <p:cNvPr id="2" name="Slide Image Placeholder 1"/>
+          <p:cNvSpPr>
+            <a:spLocks noGrp="1" noRot="1" noChangeAspect="1"/>
+          </p:cNvSpPr>
+          <p:nvPr>
+            <p:ph type="sldImg"/>
+          </p:nvPr>
+        </p:nvSpPr>
+        <p:spPr/>
+      </p:sp>
+      <p:sp>
+        <p:nvSpPr>
+          <p:cNvPr id="3" name="Notes Placeholder 2"/>
+          <p:cNvSpPr>
+            <a:spLocks noGrp="1"/>
+          </p:cNvSpPr>
+          <p:nvPr>
+            <p:ph type="body" idx="1"/>
+          </p:nvPr>
+        </p:nvSpPr>
+        <p:spPr/>
+        <p:txBody>
+          <a:bodyPr/>
+          <a:lstStyle/>
+          <a:p>
+            <a:r>
+              <a:rPr lang="en-US" sz="1200" b="0" i="0" kern="1200" dirty="0">
+                <a:solidFill>
+                  <a:schemeClr val="tx1"/>
+                </a:solidFill>
+                <a:effectLst/>
+                <a:latin typeface="+mn-lt"/>
+                <a:ea typeface="+mn-ea"/>
+                <a:cs typeface="+mn-cs"/>
+              </a:rPr>
+              <a:t>The diagram above provides an illustration of an MPP architecture whereby a coordinating SMP server accepts user SQL statements, which are distributed across a number of independently running database servers that act together as a single clustered machine. Each node is a separate computer with its own CPUs, memory, and directly attached disk.</a:t>
+            </a:r>
+          </a:p>
+          <a:p>
+            <a:endParaRPr lang="en-US" sz="1200" b="0" i="0" kern="1200" dirty="0">
+              <a:solidFill>
+                <a:schemeClr val="tx1"/>
+              </a:solidFill>
+              <a:effectLst/>
+              <a:latin typeface="+mn-lt"/>
+              <a:ea typeface="+mn-ea"/>
+              <a:cs typeface="+mn-cs"/>
+            </a:endParaRPr>
+          </a:p>
+          <a:p>
+            <a:r>
+              <a:rPr lang="en-US" sz="1200" b="0" i="0" kern="1200" dirty="0">
+                <a:solidFill>
+                  <a:schemeClr val="tx1"/>
+                </a:solidFill>
+                <a:effectLst/>
+                <a:latin typeface="+mn-lt"/>
+                <a:ea typeface="+mn-ea"/>
+                <a:cs typeface="+mn-cs"/>
+              </a:rPr>
+              <a:t>Using this solution, as data is loaded, a </a:t>
+            </a:r>
+            <a:r>
+              <a:rPr lang="en-US" sz="1200" b="0" i="1" kern="1200" dirty="0">
+                <a:solidFill>
+                  <a:schemeClr val="tx1"/>
+                </a:solidFill>
+                <a:effectLst/>
+                <a:latin typeface="+mn-lt"/>
+                <a:ea typeface="+mn-ea"/>
+                <a:cs typeface="+mn-cs"/>
+              </a:rPr>
+              <a:t>consistent hashing algorithm </a:t>
+            </a:r>
+            <a:r>
+              <a:rPr lang="en-US" sz="1200" b="0" i="0" kern="1200" dirty="0">
+                <a:solidFill>
+                  <a:schemeClr val="tx1"/>
+                </a:solidFill>
+                <a:effectLst/>
+                <a:latin typeface="+mn-lt"/>
+                <a:ea typeface="+mn-ea"/>
+                <a:cs typeface="+mn-cs"/>
+              </a:rPr>
+              <a:t>may be used to distribute the data evenly, which (if all goes well) will lead to a balanced distribution of work across the cluster. MPP architectures are an excellent solution for Data Warehouse and analytic platforms because queries can be broken into component parts, and executed in parallel across the servers with dramatic performance gains.</a:t>
+            </a:r>
+          </a:p>
+          <a:p>
+            <a:r>
+              <a:rPr lang="en-US" sz="1200" b="0" i="0" kern="1200" dirty="0">
+                <a:solidFill>
+                  <a:schemeClr val="tx1"/>
+                </a:solidFill>
+                <a:effectLst/>
+                <a:latin typeface="+mn-lt"/>
+                <a:ea typeface="+mn-ea"/>
+                <a:cs typeface="+mn-cs"/>
+              </a:rPr>
+              <a:t>However, unlike SMP systems, where data placement is automatic at the disk level, it’s critical to get this step right to maximize throughput and response times. The diagram below illustrates the three MPP data distribution methods available.</a:t>
+            </a:r>
+          </a:p>
+          <a:p>
+            <a:endParaRPr lang="en-US" dirty="0"/>
+          </a:p>
+        </p:txBody>
+      </p:sp>
+      <p:sp>
+        <p:nvSpPr>
+          <p:cNvPr id="4" name="Slide Number Placeholder 3"/>
+          <p:cNvSpPr>
+            <a:spLocks noGrp="1"/>
+          </p:cNvSpPr>
+          <p:nvPr>
+            <p:ph type="sldNum" sz="quarter" idx="5"/>
+          </p:nvPr>
+        </p:nvSpPr>
+        <p:spPr/>
+        <p:txBody>
+          <a:bodyPr/>
+          <a:lstStyle/>
+          <a:p>
+            <a:fld id="{BAA9633A-392A-4347-9D1C-FF5FFE9476B1}" type="slidenum">
+              <a:rPr lang="en-US" smtClean="0"/>
+              <a:t>6</a:t>
+            </a:fld>
+            <a:endParaRPr lang="en-US"/>
+          </a:p>
+        </p:txBody>
+      </p:sp>
+    </p:spTree>
+    <p:extLst>
+      <p:ext uri="{BB962C8B-B14F-4D97-AF65-F5344CB8AC3E}">
+        <p14:creationId xmlns:p14="http://schemas.microsoft.com/office/powerpoint/2010/main" val="873125180"/>
+      </p:ext>
+    </p:extLst>
+  </p:cSld>
+  <p:clrMapOvr>
+    <a:masterClrMapping/>
+  </p:clrMapOvr>
+</p:notes>
+</file>
+
+<file path=ppt/notesSlides/notesSlide5.xml><?xml version="1.0" encoding="utf-8"?>
+<p:notes xmlns:a="http://schemas.openxmlformats.org/drawingml/2006/main" xmlns:r="http://schemas.openxmlformats.org/officeDocument/2006/relationships" xmlns:p="http://schemas.openxmlformats.org/presentationml/2006/main">
+  <p:cSld>
+    <p:spTree>
+      <p:nvGrpSpPr>
+        <p:cNvPr id="1" name=""/>
+        <p:cNvGrpSpPr/>
+        <p:nvPr/>
+      </p:nvGrpSpPr>
+      <p:grpSpPr>
+        <a:xfrm>
+          <a:off x="0" y="0"/>
+          <a:ext cx="0" cy="0"/>
+          <a:chOff x="0" y="0"/>
+          <a:chExt cx="0" cy="0"/>
+        </a:xfrm>
+      </p:grpSpPr>
+      <p:sp>
+        <p:nvSpPr>
+          <p:cNvPr id="2" name="Slide Image Placeholder 1"/>
+          <p:cNvSpPr>
+            <a:spLocks noGrp="1" noRot="1" noChangeAspect="1"/>
+          </p:cNvSpPr>
+          <p:nvPr>
+            <p:ph type="sldImg"/>
+          </p:nvPr>
+        </p:nvSpPr>
+        <p:spPr/>
+      </p:sp>
+      <p:sp>
+        <p:nvSpPr>
+          <p:cNvPr id="3" name="Notes Placeholder 2"/>
+          <p:cNvSpPr>
+            <a:spLocks noGrp="1"/>
+          </p:cNvSpPr>
+          <p:nvPr>
+            <p:ph type="body" idx="1"/>
+          </p:nvPr>
+        </p:nvSpPr>
+        <p:spPr/>
+        <p:txBody>
+          <a:bodyPr/>
+          <a:lstStyle/>
+          <a:p>
+            <a:r>
+              <a:rPr lang="en-US" sz="1200" b="0" i="0" kern="1200" dirty="0">
+                <a:solidFill>
+                  <a:schemeClr val="tx1"/>
+                </a:solidFill>
+                <a:effectLst/>
+                <a:latin typeface="+mn-lt"/>
+                <a:ea typeface="+mn-ea"/>
+                <a:cs typeface="+mn-cs"/>
+              </a:rPr>
+              <a:t>Although MPP systems have compelling advantages over the traditional SMP architecture, they do have the following drawbacks:</a:t>
+            </a:r>
+          </a:p>
+          <a:p>
+            <a:r>
+              <a:rPr lang="en-US" sz="1200" b="1" i="0" kern="1200" dirty="0">
+                <a:solidFill>
+                  <a:schemeClr val="tx1"/>
+                </a:solidFill>
+                <a:effectLst/>
+                <a:latin typeface="+mn-lt"/>
+                <a:ea typeface="+mn-ea"/>
+                <a:cs typeface="+mn-cs"/>
+              </a:rPr>
+              <a:t>Complexity and cost: </a:t>
+            </a:r>
+            <a:r>
+              <a:rPr lang="en-US" sz="1200" b="0" i="0" kern="1200" dirty="0">
+                <a:solidFill>
+                  <a:schemeClr val="tx1"/>
+                </a:solidFill>
+                <a:effectLst/>
+                <a:latin typeface="+mn-lt"/>
+                <a:ea typeface="+mn-ea"/>
+                <a:cs typeface="+mn-cs"/>
+              </a:rPr>
+              <a:t>While the architecture appears simple on the surface, a well designed MPP solution hides a significant level of complexity, and the earliest commercial MPP database systems from Teradata and Netezza were delivered as a hardware appliance at significant cost. However, as this architecture has become more popular for large-scale analytics platforms, prices are beginning to ease.</a:t>
+            </a:r>
+          </a:p>
+          <a:p>
+            <a:r>
+              <a:rPr lang="en-US" sz="1200" b="1" i="0" kern="1200" dirty="0">
+                <a:solidFill>
+                  <a:schemeClr val="tx1"/>
+                </a:solidFill>
+                <a:effectLst/>
+                <a:latin typeface="+mn-lt"/>
+                <a:ea typeface="+mn-ea"/>
+                <a:cs typeface="+mn-cs"/>
+              </a:rPr>
+              <a:t>Data Distribution is Critical: </a:t>
+            </a:r>
+            <a:r>
+              <a:rPr lang="en-US" sz="1200" b="0" i="0" kern="1200" dirty="0">
+                <a:solidFill>
+                  <a:schemeClr val="tx1"/>
+                </a:solidFill>
+                <a:effectLst/>
+                <a:latin typeface="+mn-lt"/>
+                <a:ea typeface="+mn-ea"/>
+                <a:cs typeface="+mn-cs"/>
+              </a:rPr>
+              <a:t>Unlike the SMP solution in which data placement at disk level is simple and can be automated, an MPP platform requires careful design of the data distribution to avoid data skew leading to processing hot-spots. If for example, a poor distribution key is selected, this can lead to a small number of nodes being over-loaded while others lie idle which will limit overall throughput and query response time. Likewise, if a reference table is not correctly placed with the associated transaction data, this can lead to excessive </a:t>
+            </a:r>
+            <a:r>
+              <a:rPr lang="en-US" sz="1200" b="0" i="1" kern="1200" dirty="0">
+                <a:solidFill>
+                  <a:schemeClr val="tx1"/>
+                </a:solidFill>
+                <a:effectLst/>
+                <a:latin typeface="+mn-lt"/>
+                <a:ea typeface="+mn-ea"/>
+                <a:cs typeface="+mn-cs"/>
+              </a:rPr>
+              <a:t>Data Shuffling </a:t>
+            </a:r>
+            <a:r>
+              <a:rPr lang="en-US" sz="1200" b="0" i="0" kern="1200" dirty="0">
+                <a:solidFill>
+                  <a:schemeClr val="tx1"/>
+                </a:solidFill>
+                <a:effectLst/>
+                <a:latin typeface="+mn-lt"/>
+                <a:ea typeface="+mn-ea"/>
+                <a:cs typeface="+mn-cs"/>
+              </a:rPr>
+              <a:t>whereby data is transferred between nodes to complete join operations which again can lead to performance issues. This is illustrated in the diagram below where reference data is shuffled between two nodes. While it’s possible to fix the problem, it typically needs a massive data reorganization effort, and potentially system downtime.</a:t>
+            </a:r>
+          </a:p>
+          <a:p>
+            <a:br>
+              <a:rPr lang="en-US" dirty="0"/>
+            </a:br>
+            <a:r>
+              <a:rPr lang="en-US" sz="1200" b="1" i="0" kern="1200" dirty="0">
+                <a:solidFill>
+                  <a:schemeClr val="tx1"/>
+                </a:solidFill>
+                <a:effectLst/>
+                <a:latin typeface="+mn-lt"/>
+                <a:ea typeface="+mn-ea"/>
+                <a:cs typeface="+mn-cs"/>
+              </a:rPr>
+              <a:t>Need for downtime: </a:t>
+            </a:r>
+            <a:r>
+              <a:rPr lang="en-US" sz="1200" b="0" i="0" kern="1200" dirty="0">
+                <a:solidFill>
+                  <a:schemeClr val="tx1"/>
+                </a:solidFill>
+                <a:effectLst/>
+                <a:latin typeface="+mn-lt"/>
+                <a:ea typeface="+mn-ea"/>
+                <a:cs typeface="+mn-cs"/>
+              </a:rPr>
+              <a:t>Although some MPP solutions have resilience and high availability built in, many require downtime or reduced performance to support the addition of new nodes. In some cases, the entire cluster must be taken off-line to add additional nodes, and even where this is not needed, the adding nodes typically involve the re-distribution of data across the cluster to make use of the additional compute resources. This may not be ideal or even a viable option for some customers.</a:t>
+            </a:r>
+          </a:p>
+          <a:p>
+            <a:r>
+              <a:rPr lang="en-US" sz="1200" b="1" i="0" kern="1200" dirty="0">
+                <a:solidFill>
+                  <a:schemeClr val="tx1"/>
+                </a:solidFill>
+                <a:effectLst/>
+                <a:latin typeface="+mn-lt"/>
+                <a:ea typeface="+mn-ea"/>
+                <a:cs typeface="+mn-cs"/>
+              </a:rPr>
+              <a:t>Lack of Elasticity: </a:t>
+            </a:r>
+            <a:r>
+              <a:rPr lang="en-US" sz="1200" b="0" i="0" kern="1200" dirty="0">
+                <a:solidFill>
+                  <a:schemeClr val="tx1"/>
+                </a:solidFill>
+                <a:effectLst/>
+                <a:latin typeface="+mn-lt"/>
+                <a:ea typeface="+mn-ea"/>
+                <a:cs typeface="+mn-cs"/>
+              </a:rPr>
+              <a:t>Although MPP systems can be scaled out, this typically involves the commissioning and deployment of new hardware which can take days or even weeks to complete. These systems typically don’t support elasticity – the ability to extend or reduce the compute resources on demand to meet real-time processing requirements.</a:t>
+            </a:r>
+          </a:p>
+          <a:p>
+            <a:r>
+              <a:rPr lang="en-US" sz="1200" b="1" i="0" kern="1200" dirty="0">
+                <a:solidFill>
+                  <a:schemeClr val="tx1"/>
+                </a:solidFill>
+                <a:effectLst/>
+                <a:latin typeface="+mn-lt"/>
+                <a:ea typeface="+mn-ea"/>
+                <a:cs typeface="+mn-cs"/>
+              </a:rPr>
+              <a:t>Scale Out Only:</a:t>
+            </a:r>
+            <a:r>
+              <a:rPr lang="en-US" sz="1200" b="0" i="0" kern="1200" dirty="0">
+                <a:solidFill>
+                  <a:schemeClr val="tx1"/>
+                </a:solidFill>
+                <a:effectLst/>
+                <a:latin typeface="+mn-lt"/>
+                <a:ea typeface="+mn-ea"/>
+                <a:cs typeface="+mn-cs"/>
+              </a:rPr>
+              <a:t> To avoid an imbalanced system, it’s typically only sensible to add nodes of the exact same specification, compute power and disk storage. This means, although adding additional nodes increases the concurrency (the ability for additional users to query the data), it’s not possible to significantly increase batch throughput. In short, while it’s possible to </a:t>
+            </a:r>
+            <a:r>
+              <a:rPr lang="en-US" sz="1200" b="0" i="1" kern="1200" dirty="0">
+                <a:solidFill>
+                  <a:schemeClr val="tx1"/>
+                </a:solidFill>
+                <a:effectLst/>
+                <a:latin typeface="+mn-lt"/>
+                <a:ea typeface="+mn-ea"/>
+                <a:cs typeface="+mn-cs"/>
+              </a:rPr>
+              <a:t>scale out</a:t>
+            </a:r>
+            <a:r>
+              <a:rPr lang="en-US" sz="1200" b="0" i="0" kern="1200" dirty="0">
+                <a:solidFill>
+                  <a:schemeClr val="tx1"/>
+                </a:solidFill>
+                <a:effectLst/>
+                <a:latin typeface="+mn-lt"/>
+                <a:ea typeface="+mn-ea"/>
+                <a:cs typeface="+mn-cs"/>
+              </a:rPr>
+              <a:t>, there are few options to </a:t>
+            </a:r>
+            <a:r>
+              <a:rPr lang="en-US" sz="1200" b="0" i="1" kern="1200" dirty="0">
+                <a:solidFill>
+                  <a:schemeClr val="tx1"/>
+                </a:solidFill>
+                <a:effectLst/>
+                <a:latin typeface="+mn-lt"/>
+                <a:ea typeface="+mn-ea"/>
+                <a:cs typeface="+mn-cs"/>
+              </a:rPr>
+              <a:t>scale up </a:t>
+            </a:r>
+            <a:r>
+              <a:rPr lang="en-US" sz="1200" b="0" i="0" kern="1200" dirty="0">
+                <a:solidFill>
+                  <a:schemeClr val="tx1"/>
+                </a:solidFill>
+                <a:effectLst/>
+                <a:latin typeface="+mn-lt"/>
+                <a:ea typeface="+mn-ea"/>
+                <a:cs typeface="+mn-cs"/>
+              </a:rPr>
+              <a:t>the solution to a much more powerful system.</a:t>
+            </a:r>
+          </a:p>
+          <a:p>
+            <a:r>
+              <a:rPr lang="en-US" sz="1200" b="1" i="0" kern="1200" dirty="0">
+                <a:solidFill>
+                  <a:schemeClr val="tx1"/>
+                </a:solidFill>
+                <a:effectLst/>
+                <a:latin typeface="+mn-lt"/>
+                <a:ea typeface="+mn-ea"/>
+                <a:cs typeface="+mn-cs"/>
+              </a:rPr>
+              <a:t>Potential Over Capacity: </a:t>
+            </a:r>
+            <a:r>
+              <a:rPr lang="en-US" sz="1200" b="0" i="0" kern="1200" dirty="0">
+                <a:solidFill>
+                  <a:schemeClr val="tx1"/>
+                </a:solidFill>
+                <a:effectLst/>
+                <a:latin typeface="+mn-lt"/>
+                <a:ea typeface="+mn-ea"/>
+                <a:cs typeface="+mn-cs"/>
+              </a:rPr>
+              <a:t>In theory, MPP systems are perfectly balanced, in that additional nodes add both storage and compute resources to the cluster. However, because these are so closely tied, if storage demands exceed the need for compute capacity, the total cost of ownership can be huge as the </a:t>
+            </a:r>
+            <a:r>
+              <a:rPr lang="en-US" sz="1200" b="0" i="1" kern="1200" dirty="0">
+                <a:solidFill>
+                  <a:schemeClr val="tx1"/>
+                </a:solidFill>
+                <a:effectLst/>
+                <a:latin typeface="+mn-lt"/>
+                <a:ea typeface="+mn-ea"/>
+                <a:cs typeface="+mn-cs"/>
+              </a:rPr>
+              <a:t>cost per terabyte</a:t>
+            </a:r>
+            <a:r>
+              <a:rPr lang="en-US" sz="1200" b="0" i="0" kern="1200" dirty="0">
+                <a:solidFill>
+                  <a:schemeClr val="tx1"/>
+                </a:solidFill>
+                <a:effectLst/>
+                <a:latin typeface="+mn-lt"/>
+                <a:ea typeface="+mn-ea"/>
+                <a:cs typeface="+mn-cs"/>
+              </a:rPr>
+              <a:t> rises disproportionately. This is especially prevalent in the popularity of </a:t>
+            </a:r>
+            <a:r>
+              <a:rPr lang="en-US" sz="1200" b="0" i="1" kern="1200" dirty="0">
+                <a:solidFill>
+                  <a:schemeClr val="tx1"/>
+                </a:solidFill>
+                <a:effectLst/>
+                <a:latin typeface="+mn-lt"/>
+                <a:ea typeface="+mn-ea"/>
+                <a:cs typeface="+mn-cs"/>
+              </a:rPr>
+              <a:t>Data Lake</a:t>
+            </a:r>
+            <a:r>
+              <a:rPr lang="en-US" sz="1200" b="0" i="0" kern="1200" dirty="0">
+                <a:solidFill>
+                  <a:schemeClr val="tx1"/>
+                </a:solidFill>
+                <a:effectLst/>
+                <a:latin typeface="+mn-lt"/>
+                <a:ea typeface="+mn-ea"/>
+                <a:cs typeface="+mn-cs"/>
+              </a:rPr>
+              <a:t> solutions which potentially store massive volumes of infrequently accessed data. In summary, using a pure MPP solution, you could be paying for 300 times more compute processing than you actually need.</a:t>
+            </a:r>
+          </a:p>
+          <a:p>
+            <a:endParaRPr lang="en-US" dirty="0"/>
+          </a:p>
+        </p:txBody>
+      </p:sp>
+      <p:sp>
+        <p:nvSpPr>
+          <p:cNvPr id="4" name="Slide Number Placeholder 3"/>
+          <p:cNvSpPr>
+            <a:spLocks noGrp="1"/>
+          </p:cNvSpPr>
+          <p:nvPr>
+            <p:ph type="sldNum" sz="quarter" idx="5"/>
+          </p:nvPr>
+        </p:nvSpPr>
+        <p:spPr/>
+        <p:txBody>
+          <a:bodyPr/>
+          <a:lstStyle/>
+          <a:p>
+            <a:fld id="{BAA9633A-392A-4347-9D1C-FF5FFE9476B1}" type="slidenum">
+              <a:rPr lang="en-US" smtClean="0"/>
+              <a:t>7</a:t>
+            </a:fld>
+            <a:endParaRPr lang="en-US"/>
+          </a:p>
+        </p:txBody>
+      </p:sp>
+    </p:spTree>
+    <p:extLst>
+      <p:ext uri="{BB962C8B-B14F-4D97-AF65-F5344CB8AC3E}">
+        <p14:creationId xmlns:p14="http://schemas.microsoft.com/office/powerpoint/2010/main" val="707071836"/>
+      </p:ext>
+    </p:extLst>
+  </p:cSld>
+  <p:clrMapOvr>
+    <a:masterClrMapping/>
+  </p:clrMapOvr>
+</p:notes>
+</file>
+
+<file path=ppt/notesSlides/notesSlide6.xml><?xml version="1.0" encoding="utf-8"?>
+<p:notes xmlns:a="http://schemas.openxmlformats.org/drawingml/2006/main" xmlns:r="http://schemas.openxmlformats.org/officeDocument/2006/relationships" xmlns:p="http://schemas.openxmlformats.org/presentationml/2006/main">
+  <p:cSld>
+    <p:spTree>
+      <p:nvGrpSpPr>
+        <p:cNvPr id="1" name=""/>
+        <p:cNvGrpSpPr/>
+        <p:nvPr/>
+      </p:nvGrpSpPr>
+      <p:grpSpPr>
+        <a:xfrm>
+          <a:off x="0" y="0"/>
+          <a:ext cx="0" cy="0"/>
+          <a:chOff x="0" y="0"/>
+          <a:chExt cx="0" cy="0"/>
+        </a:xfrm>
+      </p:grpSpPr>
+      <p:sp>
+        <p:nvSpPr>
+          <p:cNvPr id="2" name="Slide Image Placeholder 1"/>
+          <p:cNvSpPr>
+            <a:spLocks noGrp="1" noRot="1" noChangeAspect="1"/>
+          </p:cNvSpPr>
+          <p:nvPr>
+            <p:ph type="sldImg"/>
+          </p:nvPr>
+        </p:nvSpPr>
+        <p:spPr/>
+      </p:sp>
+      <p:sp>
+        <p:nvSpPr>
+          <p:cNvPr id="3" name="Notes Placeholder 2"/>
+          <p:cNvSpPr>
+            <a:spLocks noGrp="1"/>
+          </p:cNvSpPr>
+          <p:nvPr>
+            <p:ph type="body" idx="1"/>
+          </p:nvPr>
+        </p:nvSpPr>
+        <p:spPr/>
+        <p:txBody>
+          <a:bodyPr/>
+          <a:lstStyle/>
+          <a:p>
+            <a:r>
+              <a:rPr lang="en-US" dirty="0" err="1"/>
+              <a:t>Multivalue</a:t>
+            </a:r>
+            <a:r>
+              <a:rPr lang="en-US" dirty="0"/>
+              <a:t> – best value in terms of processing and space savings</a:t>
+            </a:r>
+          </a:p>
+          <a:p>
+            <a:r>
+              <a:rPr lang="en-US" dirty="0" err="1"/>
+              <a:t>Algotrhytmic</a:t>
+            </a:r>
+            <a:r>
+              <a:rPr lang="en-US" dirty="0"/>
+              <a:t> has </a:t>
+            </a:r>
+            <a:r>
+              <a:rPr lang="en-US" dirty="0" err="1"/>
+              <a:t>hevy</a:t>
+            </a:r>
+            <a:r>
+              <a:rPr lang="en-US" dirty="0"/>
+              <a:t> overhead and is best for cold tables</a:t>
+            </a:r>
+          </a:p>
+          <a:p>
+            <a:endParaRPr lang="en-US" dirty="0"/>
+          </a:p>
+        </p:txBody>
+      </p:sp>
+      <p:sp>
+        <p:nvSpPr>
+          <p:cNvPr id="4" name="Slide Number Placeholder 3"/>
+          <p:cNvSpPr>
+            <a:spLocks noGrp="1"/>
+          </p:cNvSpPr>
+          <p:nvPr>
+            <p:ph type="sldNum" sz="quarter" idx="5"/>
+          </p:nvPr>
+        </p:nvSpPr>
+        <p:spPr/>
+        <p:txBody>
+          <a:bodyPr/>
+          <a:lstStyle/>
+          <a:p>
+            <a:fld id="{BAA9633A-392A-4347-9D1C-FF5FFE9476B1}" type="slidenum">
+              <a:rPr lang="en-US" smtClean="0"/>
+              <a:t>8</a:t>
+            </a:fld>
+            <a:endParaRPr lang="en-US"/>
+          </a:p>
+        </p:txBody>
+      </p:sp>
+    </p:spTree>
+    <p:extLst>
+      <p:ext uri="{BB962C8B-B14F-4D97-AF65-F5344CB8AC3E}">
+        <p14:creationId xmlns:p14="http://schemas.microsoft.com/office/powerpoint/2010/main" val="1590659934"/>
       </p:ext>
     </p:extLst>
   </p:cSld>
@@ -5167,13 +5917,8 @@
           <a:p>
             <a:r>
               <a:rPr lang="en-US" dirty="0"/>
-              <a:t>Problem </a:t>
-            </a:r>
-            <a:r>
-              <a:rPr lang="en-US" dirty="0" err="1"/>
-              <a:t>Statment</a:t>
-            </a:r>
-            <a:endParaRPr lang="en-US" dirty="0"/>
+              <a:t>Problem Statement</a:t>
+            </a:r>
           </a:p>
         </p:txBody>
       </p:sp>
@@ -5194,7 +5939,15 @@
           <a:p>
             <a:r>
               <a:rPr lang="en-US" dirty="0"/>
-              <a:t>Provide an overview of Massively Parallel Processing (MPP) databases</a:t>
+              <a:t>Provide </a:t>
+            </a:r>
+            <a:r>
+              <a:rPr lang="en-US"/>
+              <a:t>an educational overview </a:t>
+            </a:r>
+            <a:r>
+              <a:rPr lang="en-US" dirty="0"/>
+              <a:t>of Massively Parallel Processing (MPP) databases</a:t>
             </a:r>
           </a:p>
         </p:txBody>
@@ -5852,29 +6605,45 @@
           <a:bodyPr/>
           <a:lstStyle/>
           <a:p>
-            <a:endParaRPr lang="en-US"/>
-          </a:p>
-        </p:txBody>
-      </p:sp>
-      <p:sp>
-        <p:nvSpPr>
-          <p:cNvPr id="3" name="Content Placeholder 2"/>
-          <p:cNvSpPr>
-            <a:spLocks noGrp="1"/>
-          </p:cNvSpPr>
+            <a:r>
+              <a:rPr lang="en-US" dirty="0"/>
+              <a:t>MPP Database Architecture</a:t>
+            </a:r>
+          </a:p>
+        </p:txBody>
+      </p:sp>
+      <p:pic>
+        <p:nvPicPr>
+          <p:cNvPr id="5" name="Content Placeholder 4">
+            <a:extLst>
+              <a:ext uri="{FF2B5EF4-FFF2-40B4-BE49-F238E27FC236}">
+                <a16:creationId xmlns:a16="http://schemas.microsoft.com/office/drawing/2014/main" id="{72F9FB8B-211F-4534-A969-2773A500C699}"/>
+              </a:ext>
+            </a:extLst>
+          </p:cNvPr>
+          <p:cNvPicPr>
+            <a:picLocks noGrp="1" noChangeAspect="1"/>
+          </p:cNvPicPr>
           <p:nvPr>
             <p:ph idx="1"/>
           </p:nvPr>
-        </p:nvSpPr>
-        <p:spPr/>
-        <p:txBody>
-          <a:bodyPr/>
-          <a:lstStyle/>
-          <a:p>
-            <a:endParaRPr lang="en-US"/>
-          </a:p>
-        </p:txBody>
-      </p:sp>
+        </p:nvPicPr>
+        <p:blipFill>
+          <a:blip r:embed="rId3"/>
+          <a:stretch>
+            <a:fillRect/>
+          </a:stretch>
+        </p:blipFill>
+        <p:spPr>
+          <a:xfrm>
+            <a:off x="953310" y="1485089"/>
+            <a:ext cx="7243863" cy="4482335"/>
+          </a:xfrm>
+          <a:prstGeom prst="rect">
+            <a:avLst/>
+          </a:prstGeom>
+        </p:spPr>
+      </p:pic>
       <p:sp>
         <p:nvSpPr>
           <p:cNvPr id="4" name="Slide Number Placeholder 3"/>
@@ -5951,7 +6720,10 @@
           <a:bodyPr/>
           <a:lstStyle/>
           <a:p>
-            <a:endParaRPr lang="en-US"/>
+            <a:r>
+              <a:rPr lang="en-US" dirty="0"/>
+              <a:t>Constraints of MPP Database</a:t>
+            </a:r>
           </a:p>
         </p:txBody>
       </p:sp>
@@ -5967,10 +6739,78 @@
         </p:nvSpPr>
         <p:spPr/>
         <p:txBody>
-          <a:bodyPr/>
-          <a:lstStyle/>
-          <a:p>
-            <a:endParaRPr lang="en-US"/>
+          <a:bodyPr>
+            <a:normAutofit fontScale="85000" lnSpcReduction="20000"/>
+          </a:bodyPr>
+          <a:lstStyle/>
+          <a:p>
+            <a:pPr fontAlgn="base"/>
+            <a:r>
+              <a:rPr lang="en-US" dirty="0"/>
+              <a:t>Complexity and Cost</a:t>
+            </a:r>
+          </a:p>
+          <a:p>
+            <a:pPr fontAlgn="base"/>
+            <a:endParaRPr lang="en-US" dirty="0"/>
+          </a:p>
+          <a:p>
+            <a:pPr fontAlgn="base"/>
+            <a:r>
+              <a:rPr lang="en-US" dirty="0"/>
+              <a:t>Data distribution is critical</a:t>
+            </a:r>
+            <a:br>
+              <a:rPr lang="en-US" dirty="0"/>
+            </a:br>
+            <a:endParaRPr lang="en-US" dirty="0"/>
+          </a:p>
+          <a:p>
+            <a:pPr fontAlgn="base"/>
+            <a:r>
+              <a:rPr lang="en-US" dirty="0"/>
+              <a:t>Need for downtime</a:t>
+            </a:r>
+            <a:br>
+              <a:rPr lang="en-US" dirty="0"/>
+            </a:br>
+            <a:endParaRPr lang="en-US" dirty="0"/>
+          </a:p>
+          <a:p>
+            <a:pPr fontAlgn="base"/>
+            <a:r>
+              <a:rPr lang="en-US" dirty="0"/>
+              <a:t>Lack of Elasticity</a:t>
+            </a:r>
+          </a:p>
+          <a:p>
+            <a:pPr marL="0" indent="0" fontAlgn="base">
+              <a:buNone/>
+            </a:pPr>
+            <a:endParaRPr lang="en-US" dirty="0"/>
+          </a:p>
+          <a:p>
+            <a:pPr fontAlgn="base"/>
+            <a:r>
+              <a:rPr lang="en-US" dirty="0"/>
+              <a:t>Scale out only</a:t>
+            </a:r>
+          </a:p>
+          <a:p>
+            <a:pPr marL="0" indent="0" fontAlgn="base">
+              <a:buNone/>
+            </a:pPr>
+            <a:endParaRPr lang="en-US" dirty="0"/>
+          </a:p>
+          <a:p>
+            <a:pPr fontAlgn="base"/>
+            <a:r>
+              <a:rPr lang="en-US" dirty="0"/>
+              <a:t>Potential Over Capacity</a:t>
+            </a:r>
+          </a:p>
+          <a:p>
+            <a:endParaRPr lang="en-US" dirty="0"/>
           </a:p>
         </p:txBody>
       </p:sp>
@@ -6050,7 +6890,10 @@
           <a:bodyPr/>
           <a:lstStyle/>
           <a:p>
-            <a:endParaRPr lang="en-US"/>
+            <a:r>
+              <a:rPr lang="en-US" dirty="0"/>
+              <a:t>Optimization of MPP Databases</a:t>
+            </a:r>
           </a:p>
         </p:txBody>
       </p:sp>
@@ -6066,10 +6909,144 @@
         </p:nvSpPr>
         <p:spPr/>
         <p:txBody>
-          <a:bodyPr/>
-          <a:lstStyle/>
-          <a:p>
-            <a:endParaRPr lang="en-US"/>
+          <a:bodyPr>
+            <a:normAutofit fontScale="92500" lnSpcReduction="20000"/>
+          </a:bodyPr>
+          <a:lstStyle/>
+          <a:p>
+            <a:pPr lvl="1"/>
+            <a:r>
+              <a:rPr lang="en-US" dirty="0">
+                <a:solidFill>
+                  <a:schemeClr val="tx1"/>
+                </a:solidFill>
+              </a:rPr>
+              <a:t>Teradata</a:t>
+            </a:r>
+          </a:p>
+          <a:p>
+            <a:pPr lvl="2"/>
+            <a:r>
+              <a:rPr lang="en-US" dirty="0">
+                <a:solidFill>
+                  <a:schemeClr val="tx1"/>
+                </a:solidFill>
+              </a:rPr>
+              <a:t>Compression reduces the space tables take up</a:t>
+            </a:r>
+          </a:p>
+          <a:p>
+            <a:pPr lvl="3"/>
+            <a:r>
+              <a:rPr lang="en-US" dirty="0">
+                <a:solidFill>
+                  <a:schemeClr val="tx1"/>
+                </a:solidFill>
+              </a:rPr>
+              <a:t>Multiple types</a:t>
+            </a:r>
+          </a:p>
+          <a:p>
+            <a:pPr lvl="3"/>
+            <a:r>
+              <a:rPr lang="en-US" dirty="0">
+                <a:solidFill>
+                  <a:schemeClr val="tx1"/>
+                </a:solidFill>
+              </a:rPr>
+              <a:t>Cost/benefit trade off between big space savings and uncompressing (processing) time</a:t>
+            </a:r>
+          </a:p>
+          <a:p>
+            <a:pPr lvl="2"/>
+            <a:r>
+              <a:rPr lang="en-US" dirty="0">
+                <a:solidFill>
+                  <a:schemeClr val="tx1"/>
+                </a:solidFill>
+              </a:rPr>
+              <a:t>Optimizer</a:t>
+            </a:r>
+          </a:p>
+          <a:p>
+            <a:pPr lvl="3"/>
+            <a:r>
+              <a:rPr lang="en-US" dirty="0">
+                <a:solidFill>
+                  <a:schemeClr val="tx1"/>
+                </a:solidFill>
+              </a:rPr>
+              <a:t>Evaluates a query and determines the most efficient way to execute it</a:t>
+            </a:r>
+          </a:p>
+          <a:p>
+            <a:pPr lvl="3"/>
+            <a:r>
+              <a:rPr lang="en-US" dirty="0">
+                <a:solidFill>
+                  <a:schemeClr val="tx1"/>
+                </a:solidFill>
+              </a:rPr>
+              <a:t>Depends on user to use specific syntax (i.e., collect statistics) regularly to help optimizer decide on best path for queries</a:t>
+            </a:r>
+          </a:p>
+          <a:p>
+            <a:pPr lvl="2"/>
+            <a:r>
+              <a:rPr lang="en-US" dirty="0">
+                <a:solidFill>
+                  <a:schemeClr val="tx1"/>
+                </a:solidFill>
+              </a:rPr>
+              <a:t>Query Tuning</a:t>
+            </a:r>
+          </a:p>
+          <a:p>
+            <a:pPr lvl="3"/>
+            <a:r>
+              <a:rPr lang="en-US" dirty="0">
+                <a:solidFill>
+                  <a:schemeClr val="tx1"/>
+                </a:solidFill>
+              </a:rPr>
+              <a:t>EXISTS instead of IN</a:t>
+            </a:r>
+          </a:p>
+          <a:p>
+            <a:pPr lvl="3"/>
+            <a:r>
+              <a:rPr lang="en-US" dirty="0">
+                <a:solidFill>
+                  <a:schemeClr val="tx1"/>
+                </a:solidFill>
+              </a:rPr>
+              <a:t>UNION ALL instead of UNION</a:t>
+            </a:r>
+          </a:p>
+          <a:p>
+            <a:pPr lvl="3"/>
+            <a:r>
+              <a:rPr lang="en-US" dirty="0">
+                <a:solidFill>
+                  <a:schemeClr val="tx1"/>
+                </a:solidFill>
+              </a:rPr>
+              <a:t>DISTINCT instead of GROUP BY</a:t>
+            </a:r>
+          </a:p>
+          <a:p>
+            <a:pPr lvl="3"/>
+            <a:r>
+              <a:rPr lang="en-US" dirty="0">
+                <a:solidFill>
+                  <a:schemeClr val="tx1"/>
+                </a:solidFill>
+              </a:rPr>
+              <a:t>Monitor resource usage during execution and compare</a:t>
+            </a:r>
+          </a:p>
+          <a:p>
+            <a:endParaRPr lang="en-US" dirty="0"/>
           </a:p>
         </p:txBody>
       </p:sp>
@@ -6149,7 +7126,10 @@
           <a:bodyPr/>
           <a:lstStyle/>
           <a:p>
-            <a:endParaRPr lang="en-US"/>
+            <a:r>
+              <a:rPr lang="en-US" dirty="0"/>
+              <a:t>Industry Examples</a:t>
+            </a:r>
           </a:p>
         </p:txBody>
       </p:sp>
@@ -6165,10 +7145,116 @@
         </p:nvSpPr>
         <p:spPr/>
         <p:txBody>
-          <a:bodyPr/>
-          <a:lstStyle/>
-          <a:p>
-            <a:endParaRPr lang="en-US"/>
+          <a:bodyPr>
+            <a:normAutofit fontScale="92500"/>
+          </a:bodyPr>
+          <a:lstStyle/>
+          <a:p>
+            <a:pPr lvl="1"/>
+            <a:r>
+              <a:rPr lang="en-US" dirty="0">
+                <a:solidFill>
+                  <a:schemeClr val="tx1"/>
+                </a:solidFill>
+              </a:rPr>
+              <a:t>Blue Cross Blue Shield of Texas and Illinois</a:t>
+            </a:r>
+          </a:p>
+          <a:p>
+            <a:pPr lvl="2"/>
+            <a:r>
+              <a:rPr lang="en-US" dirty="0">
+                <a:solidFill>
+                  <a:schemeClr val="tx1"/>
+                </a:solidFill>
+              </a:rPr>
+              <a:t>Large Teradata shop</a:t>
+            </a:r>
+          </a:p>
+          <a:p>
+            <a:pPr lvl="2"/>
+            <a:r>
+              <a:rPr lang="en-US" dirty="0">
+                <a:solidFill>
+                  <a:schemeClr val="tx1"/>
+                </a:solidFill>
+              </a:rPr>
+              <a:t>Data Warehouse receives data from multiple systems</a:t>
+            </a:r>
+          </a:p>
+          <a:p>
+            <a:pPr lvl="3"/>
+            <a:r>
+              <a:rPr lang="en-US" dirty="0">
+                <a:solidFill>
+                  <a:schemeClr val="tx1"/>
+                </a:solidFill>
+              </a:rPr>
+              <a:t>Thousands of tables with billions of rows</a:t>
+            </a:r>
+          </a:p>
+          <a:p>
+            <a:pPr lvl="2"/>
+            <a:r>
+              <a:rPr lang="en-US" dirty="0">
+                <a:solidFill>
+                  <a:schemeClr val="tx1"/>
+                </a:solidFill>
+              </a:rPr>
+              <a:t>Multiple layers of table and data structures</a:t>
+            </a:r>
+          </a:p>
+          <a:p>
+            <a:pPr lvl="3"/>
+            <a:r>
+              <a:rPr lang="en-US" dirty="0">
+                <a:solidFill>
+                  <a:schemeClr val="tx1"/>
+                </a:solidFill>
+              </a:rPr>
+              <a:t>Granular (</a:t>
+            </a:r>
+            <a:r>
+              <a:rPr lang="en-US" dirty="0" err="1">
+                <a:solidFill>
+                  <a:schemeClr val="tx1"/>
+                </a:solidFill>
+              </a:rPr>
+              <a:t>i.e</a:t>
+            </a:r>
+            <a:r>
+              <a:rPr lang="en-US" dirty="0">
+                <a:solidFill>
+                  <a:schemeClr val="tx1"/>
+                </a:solidFill>
+              </a:rPr>
+              <a:t>, very segmented) to pre-defined joins (i.e., views and layers) to enable efficient access to common data models</a:t>
+            </a:r>
+          </a:p>
+          <a:p>
+            <a:pPr lvl="2"/>
+            <a:r>
+              <a:rPr lang="en-US" dirty="0">
+                <a:solidFill>
+                  <a:schemeClr val="tx1"/>
+                </a:solidFill>
+              </a:rPr>
+              <a:t>Queries routinely return millions of rows in claims and membership data</a:t>
+            </a:r>
+          </a:p>
+          <a:p>
+            <a:pPr lvl="2"/>
+            <a:r>
+              <a:rPr lang="en-US" dirty="0">
+                <a:solidFill>
+                  <a:schemeClr val="tx1"/>
+                </a:solidFill>
+              </a:rPr>
+              <a:t>DBAs actively monitor query efficiency to ensure no one AMP is overloaded during these large pulls</a:t>
+            </a:r>
+          </a:p>
+          <a:p>
+            <a:endParaRPr lang="en-US" dirty="0"/>
           </a:p>
         </p:txBody>
       </p:sp>
